--- a/Documents/Documentation/template2-landscape.pptx
+++ b/Documents/Documentation/template2-landscape.pptx
@@ -251,7 +251,7 @@
           <a:p>
             <a:fld id="{A09615FF-C1AD-4C39-96B2-5B4D7F33D7E0}" type="datetimeFigureOut">
               <a:rPr lang="en-GB" smtClean="0"/>
-              <a:t>15/02/2022</a:t>
+              <a:t>18/02/2022</a:t>
             </a:fld>
             <a:endParaRPr lang="en-GB"/>
           </a:p>
@@ -421,7 +421,7 @@
           <a:p>
             <a:fld id="{A09615FF-C1AD-4C39-96B2-5B4D7F33D7E0}" type="datetimeFigureOut">
               <a:rPr lang="en-GB" smtClean="0"/>
-              <a:t>15/02/2022</a:t>
+              <a:t>18/02/2022</a:t>
             </a:fld>
             <a:endParaRPr lang="en-GB"/>
           </a:p>
@@ -601,7 +601,7 @@
           <a:p>
             <a:fld id="{A09615FF-C1AD-4C39-96B2-5B4D7F33D7E0}" type="datetimeFigureOut">
               <a:rPr lang="en-GB" smtClean="0"/>
-              <a:t>15/02/2022</a:t>
+              <a:t>18/02/2022</a:t>
             </a:fld>
             <a:endParaRPr lang="en-GB"/>
           </a:p>
@@ -771,7 +771,7 @@
           <a:p>
             <a:fld id="{A09615FF-C1AD-4C39-96B2-5B4D7F33D7E0}" type="datetimeFigureOut">
               <a:rPr lang="en-GB" smtClean="0"/>
-              <a:t>15/02/2022</a:t>
+              <a:t>18/02/2022</a:t>
             </a:fld>
             <a:endParaRPr lang="en-GB"/>
           </a:p>
@@ -1015,7 +1015,7 @@
           <a:p>
             <a:fld id="{A09615FF-C1AD-4C39-96B2-5B4D7F33D7E0}" type="datetimeFigureOut">
               <a:rPr lang="en-GB" smtClean="0"/>
-              <a:t>15/02/2022</a:t>
+              <a:t>18/02/2022</a:t>
             </a:fld>
             <a:endParaRPr lang="en-GB"/>
           </a:p>
@@ -1247,7 +1247,7 @@
           <a:p>
             <a:fld id="{A09615FF-C1AD-4C39-96B2-5B4D7F33D7E0}" type="datetimeFigureOut">
               <a:rPr lang="en-GB" smtClean="0"/>
-              <a:t>15/02/2022</a:t>
+              <a:t>18/02/2022</a:t>
             </a:fld>
             <a:endParaRPr lang="en-GB"/>
           </a:p>
@@ -1614,7 +1614,7 @@
           <a:p>
             <a:fld id="{A09615FF-C1AD-4C39-96B2-5B4D7F33D7E0}" type="datetimeFigureOut">
               <a:rPr lang="en-GB" smtClean="0"/>
-              <a:t>15/02/2022</a:t>
+              <a:t>18/02/2022</a:t>
             </a:fld>
             <a:endParaRPr lang="en-GB"/>
           </a:p>
@@ -1732,7 +1732,7 @@
           <a:p>
             <a:fld id="{A09615FF-C1AD-4C39-96B2-5B4D7F33D7E0}" type="datetimeFigureOut">
               <a:rPr lang="en-GB" smtClean="0"/>
-              <a:t>15/02/2022</a:t>
+              <a:t>18/02/2022</a:t>
             </a:fld>
             <a:endParaRPr lang="en-GB"/>
           </a:p>
@@ -1827,7 +1827,7 @@
           <a:p>
             <a:fld id="{A09615FF-C1AD-4C39-96B2-5B4D7F33D7E0}" type="datetimeFigureOut">
               <a:rPr lang="en-GB" smtClean="0"/>
-              <a:t>15/02/2022</a:t>
+              <a:t>18/02/2022</a:t>
             </a:fld>
             <a:endParaRPr lang="en-GB"/>
           </a:p>
@@ -2104,7 +2104,7 @@
           <a:p>
             <a:fld id="{A09615FF-C1AD-4C39-96B2-5B4D7F33D7E0}" type="datetimeFigureOut">
               <a:rPr lang="en-GB" smtClean="0"/>
-              <a:t>15/02/2022</a:t>
+              <a:t>18/02/2022</a:t>
             </a:fld>
             <a:endParaRPr lang="en-GB"/>
           </a:p>
@@ -2361,7 +2361,7 @@
           <a:p>
             <a:fld id="{A09615FF-C1AD-4C39-96B2-5B4D7F33D7E0}" type="datetimeFigureOut">
               <a:rPr lang="en-GB" smtClean="0"/>
-              <a:t>15/02/2022</a:t>
+              <a:t>18/02/2022</a:t>
             </a:fld>
             <a:endParaRPr lang="en-GB"/>
           </a:p>
@@ -2574,7 +2574,7 @@
           <a:p>
             <a:fld id="{A09615FF-C1AD-4C39-96B2-5B4D7F33D7E0}" type="datetimeFigureOut">
               <a:rPr lang="en-GB" smtClean="0"/>
-              <a:t>15/02/2022</a:t>
+              <a:t>18/02/2022</a:t>
             </a:fld>
             <a:endParaRPr lang="en-GB"/>
           </a:p>
@@ -2993,7 +2993,7 @@
         </p:nvSpPr>
         <p:spPr>
           <a:xfrm>
-            <a:off x="6221124" y="0"/>
+            <a:off x="3734256" y="-86848"/>
             <a:ext cx="10516918" cy="923330"/>
           </a:xfrm>
           <a:prstGeom prst="rect">
@@ -3043,8 +3043,8 @@
         </p:blipFill>
         <p:spPr bwMode="auto">
           <a:xfrm>
-            <a:off x="45457" y="0"/>
-            <a:ext cx="5816411" cy="2908206"/>
+            <a:off x="-109019" y="0"/>
+            <a:ext cx="3868219" cy="1934110"/>
           </a:xfrm>
           <a:prstGeom prst="rect">
             <a:avLst/>
@@ -3075,7 +3075,7 @@
         </p:nvSpPr>
         <p:spPr>
           <a:xfrm>
-            <a:off x="6221124" y="1218417"/>
+            <a:off x="3759200" y="741167"/>
             <a:ext cx="7253973" cy="1323439"/>
           </a:xfrm>
           <a:prstGeom prst="rect">
@@ -3118,7 +3118,7 @@
         </p:nvSpPr>
         <p:spPr>
           <a:xfrm>
-            <a:off x="344458" y="5058834"/>
+            <a:off x="302477" y="2117392"/>
             <a:ext cx="8801432" cy="2311214"/>
           </a:xfrm>
           <a:prstGeom prst="rect">
@@ -3127,7 +3127,7 @@
         </p:spPr>
         <p:txBody>
           <a:bodyPr vert="horz" lIns="91440" tIns="45720" rIns="91440" bIns="45720" rtlCol="0" anchor="t">
-            <a:normAutofit fontScale="85000" lnSpcReduction="20000"/>
+            <a:normAutofit fontScale="77500" lnSpcReduction="20000"/>
           </a:bodyPr>
           <a:lstStyle>
             <a:lvl1pPr algn="ctr" defTabSz="2138324" rtl="0" eaLnBrk="1" latinLnBrk="0" hangingPunct="1">
@@ -3149,16 +3149,19 @@
             </a:lvl1pPr>
           </a:lstStyle>
           <a:p>
+            <a:r>
+              <a:rPr lang="en-GB" sz="4700" b="1" dirty="0">
+                <a:latin typeface="+mn-lt"/>
+              </a:rPr>
+              <a:t>Abstract:</a:t>
+            </a:r>
+          </a:p>
+          <a:p>
             <a:pPr algn="l"/>
             <a:r>
-              <a:rPr lang="en-GB" sz="3000" b="1" dirty="0"/>
-              <a:t>Abstract:</a:t>
-            </a:r>
-          </a:p>
-          <a:p>
-            <a:pPr algn="l"/>
-            <a:r>
-              <a:rPr lang="en-GB" sz="2800" dirty="0"/>
+              <a:rPr lang="en-GB" sz="2800" dirty="0">
+                <a:latin typeface="+mn-lt"/>
+              </a:rPr>
               <a:t>The puzzle game DSP project included a game developed in unity that allows the user to play two puzzles, the first being the 8 Queens puzzle, which is a chess based puzzle and 2048. This involves moving cubes around a 4*4 grid and adding matching cubes together to get a larger and larger up to 2048, at that point you win the game. The final aspect is to create a website to display score data in a leader board format.  </a:t>
             </a:r>
           </a:p>
@@ -3182,45 +3185,336 @@
         </p:nvSpPr>
         <p:spPr>
           <a:xfrm>
-            <a:off x="414643" y="13135014"/>
-            <a:ext cx="8442263" cy="6516234"/>
+            <a:off x="302477" y="7067843"/>
+            <a:ext cx="9002054" cy="9389809"/>
           </a:xfrm>
         </p:spPr>
         <p:txBody>
           <a:bodyPr anchor="t">
-            <a:normAutofit/>
+            <a:normAutofit fontScale="90000"/>
           </a:bodyPr>
           <a:lstStyle/>
           <a:p>
-            <a:pPr algn="l"/>
-            <a:r>
-              <a:rPr lang="en-GB" sz="3000" b="1" dirty="0"/>
+            <a:pPr>
+              <a:lnSpc>
+                <a:spcPct val="107000"/>
+              </a:lnSpc>
+              <a:spcBef>
+                <a:spcPts val="200"/>
+              </a:spcBef>
+            </a:pPr>
+            <a:r>
+              <a:rPr lang="en-GB" sz="4000" b="1" dirty="0">
+                <a:latin typeface="+mn-lt"/>
+              </a:rPr>
               <a:t>Research:</a:t>
             </a:r>
             <a:br>
-              <a:rPr lang="en-GB" sz="3000" dirty="0"/>
+              <a:rPr lang="en-GB" sz="2700" dirty="0">
+                <a:latin typeface="+mn-lt"/>
+              </a:rPr>
             </a:br>
+            <a:r>
+              <a:rPr lang="en-GB" sz="2700" b="1" dirty="0">
+                <a:solidFill>
+                  <a:srgbClr val="1A9DAC"/>
+                </a:solidFill>
+                <a:effectLst/>
+                <a:latin typeface="+mn-lt"/>
+                <a:ea typeface="Times New Roman" panose="02020603050405020304" pitchFamily="18" charset="0"/>
+                <a:cs typeface="Times New Roman" panose="02020603050405020304" pitchFamily="18" charset="0"/>
+              </a:rPr>
+              <a:t>VR in past and present media</a:t>
+            </a:r>
             <a:br>
-              <a:rPr lang="en-GB" sz="2400" dirty="0"/>
+              <a:rPr lang="en-GB" sz="2700" b="1" dirty="0">
+                <a:solidFill>
+                  <a:srgbClr val="1A9DAC"/>
+                </a:solidFill>
+                <a:effectLst/>
+                <a:latin typeface="+mn-lt"/>
+                <a:ea typeface="Times New Roman" panose="02020603050405020304" pitchFamily="18" charset="0"/>
+                <a:cs typeface="Times New Roman" panose="02020603050405020304" pitchFamily="18" charset="0"/>
+              </a:rPr>
             </a:br>
             <a:r>
-              <a:rPr lang="en-GB" sz="2400" dirty="0"/>
-              <a:t>A short summary of your research providing key related works; </a:t>
+              <a:rPr lang="en-GB" sz="2700" dirty="0">
+                <a:effectLst/>
+                <a:latin typeface="+mn-lt"/>
+                <a:ea typeface="Calibri" panose="020F0502020204030204" pitchFamily="34" charset="0"/>
+                <a:cs typeface="Arial" panose="020B0604020202020204" pitchFamily="34" charset="0"/>
+              </a:rPr>
+              <a:t>The first book, William Gibson’s Virtual light, in summary, is about a pair of glasses which allow a person to view information by feeding it into that person’s optic nerve (</a:t>
+            </a:r>
+            <a:r>
+              <a:rPr lang="en-GB" sz="2700" dirty="0">
+                <a:effectLst/>
+                <a:latin typeface="+mn-lt"/>
+                <a:ea typeface="Calibri" panose="020F0502020204030204" pitchFamily="34" charset="0"/>
+                <a:cs typeface="Calibri" panose="020F0502020204030204" pitchFamily="34" charset="0"/>
+              </a:rPr>
+              <a:t>Gibson et al., 1993)</a:t>
+            </a:r>
+            <a:r>
+              <a:rPr lang="en-GB" sz="2700" dirty="0">
+                <a:effectLst/>
+                <a:latin typeface="+mn-lt"/>
+                <a:ea typeface="Calibri" panose="020F0502020204030204" pitchFamily="34" charset="0"/>
+                <a:cs typeface="Arial" panose="020B0604020202020204" pitchFamily="34" charset="0"/>
+              </a:rPr>
+              <a:t>. Ready player one is a dystopian future in which people use virtual reality to escape the tough reality of life. The VR world they go to is called the Oasis (</a:t>
+            </a:r>
+            <a:r>
+              <a:rPr lang="en-GB" sz="2700" dirty="0">
+                <a:effectLst/>
+                <a:latin typeface="+mn-lt"/>
+                <a:ea typeface="Calibri" panose="020F0502020204030204" pitchFamily="34" charset="0"/>
+                <a:cs typeface="Calibri" panose="020F0502020204030204" pitchFamily="34" charset="0"/>
+              </a:rPr>
+              <a:t>Cline et al., </a:t>
+            </a:r>
+            <a:r>
+              <a:rPr lang="en-GB" sz="2700" dirty="0">
+                <a:effectLst/>
+                <a:latin typeface="+mn-lt"/>
+                <a:ea typeface="Calibri" panose="020F0502020204030204" pitchFamily="34" charset="0"/>
+                <a:cs typeface="Arial" panose="020B0604020202020204" pitchFamily="34" charset="0"/>
+              </a:rPr>
+              <a:t>2011</a:t>
+            </a:r>
+            <a:r>
+              <a:rPr lang="en-GB" sz="2700" dirty="0">
+                <a:effectLst/>
+                <a:latin typeface="+mn-lt"/>
+                <a:ea typeface="Calibri" panose="020F0502020204030204" pitchFamily="34" charset="0"/>
+                <a:cs typeface="Calibri" panose="020F0502020204030204" pitchFamily="34" charset="0"/>
+              </a:rPr>
+              <a:t>). </a:t>
             </a:r>
             <a:br>
-              <a:rPr lang="en-GB" sz="2400" dirty="0"/>
+              <a:rPr lang="en-GB" sz="2700" dirty="0">
+                <a:effectLst/>
+                <a:latin typeface="+mn-lt"/>
+                <a:ea typeface="Calibri" panose="020F0502020204030204" pitchFamily="34" charset="0"/>
+                <a:cs typeface="Arial" panose="020B0604020202020204" pitchFamily="34" charset="0"/>
+              </a:rPr>
             </a:br>
             <a:r>
-              <a:rPr lang="en-GB" sz="2400" dirty="0"/>
-              <a:t>Be critical.</a:t>
+              <a:rPr lang="en-GB" sz="2700" b="1" dirty="0">
+                <a:solidFill>
+                  <a:srgbClr val="1A9DAC"/>
+                </a:solidFill>
+                <a:effectLst/>
+                <a:latin typeface="+mn-lt"/>
+                <a:ea typeface="Times New Roman" panose="02020603050405020304" pitchFamily="18" charset="0"/>
+                <a:cs typeface="Times New Roman" panose="02020603050405020304" pitchFamily="18" charset="0"/>
+              </a:rPr>
+              <a:t>The metaverse</a:t>
             </a:r>
             <a:br>
-              <a:rPr lang="en-GB" sz="2400" dirty="0"/>
+              <a:rPr lang="en-GB" sz="2700" b="1" dirty="0">
+                <a:solidFill>
+                  <a:srgbClr val="1A9DAC"/>
+                </a:solidFill>
+                <a:effectLst/>
+                <a:latin typeface="+mn-lt"/>
+                <a:ea typeface="Times New Roman" panose="02020603050405020304" pitchFamily="18" charset="0"/>
+                <a:cs typeface="Times New Roman" panose="02020603050405020304" pitchFamily="18" charset="0"/>
+              </a:rPr>
             </a:br>
             <a:r>
-              <a:rPr lang="en-GB" sz="2400" dirty="0"/>
-              <a:t>Use appropriate citation.</a:t>
-            </a:r>
+              <a:rPr lang="en-GB" sz="2700" dirty="0">
+                <a:effectLst/>
+                <a:latin typeface="+mn-lt"/>
+                <a:ea typeface="Calibri" panose="020F0502020204030204" pitchFamily="34" charset="0"/>
+                <a:cs typeface="Arial" panose="020B0604020202020204" pitchFamily="34" charset="0"/>
+              </a:rPr>
+              <a:t>The metaverse can be described as a 3-dimensional virtual universe (</a:t>
+            </a:r>
+            <a:r>
+              <a:rPr lang="en-GB" sz="2700" dirty="0">
+                <a:effectLst/>
+                <a:latin typeface="+mn-lt"/>
+                <a:ea typeface="Calibri" panose="020F0502020204030204" pitchFamily="34" charset="0"/>
+                <a:cs typeface="Calibri" panose="020F0502020204030204" pitchFamily="34" charset="0"/>
+              </a:rPr>
+              <a:t>Dionisio, III, Gilbert, 2013</a:t>
+            </a:r>
+            <a:r>
+              <a:rPr lang="en-GB" sz="2700" dirty="0">
+                <a:effectLst/>
+                <a:latin typeface="+mn-lt"/>
+                <a:ea typeface="Calibri" panose="020F0502020204030204" pitchFamily="34" charset="0"/>
+                <a:cs typeface="Arial" panose="020B0604020202020204" pitchFamily="34" charset="0"/>
+              </a:rPr>
+              <a:t>). This however differs from the concept of cyberspace that represents all of a shared online and virtual space across all dimensions (</a:t>
+            </a:r>
+            <a:r>
+              <a:rPr lang="en-GB" sz="2700" dirty="0">
+                <a:effectLst/>
+                <a:latin typeface="+mn-lt"/>
+                <a:ea typeface="Calibri" panose="020F0502020204030204" pitchFamily="34" charset="0"/>
+                <a:cs typeface="Calibri" panose="020F0502020204030204" pitchFamily="34" charset="0"/>
+              </a:rPr>
+              <a:t>Dionisio, III, Gilbert, 2013</a:t>
+            </a:r>
+            <a:r>
+              <a:rPr lang="en-GB" sz="2700" dirty="0">
+                <a:effectLst/>
+                <a:latin typeface="+mn-lt"/>
+                <a:ea typeface="Calibri" panose="020F0502020204030204" pitchFamily="34" charset="0"/>
+                <a:cs typeface="Arial" panose="020B0604020202020204" pitchFamily="34" charset="0"/>
+              </a:rPr>
+              <a:t>). There are multiple different versions of the metaverse, the first example is an enlarged virtual world, and another is a large network of virtual world (</a:t>
+            </a:r>
+            <a:r>
+              <a:rPr lang="en-GB" sz="2700" dirty="0">
+                <a:effectLst/>
+                <a:latin typeface="+mn-lt"/>
+                <a:ea typeface="Calibri" panose="020F0502020204030204" pitchFamily="34" charset="0"/>
+                <a:cs typeface="Calibri" panose="020F0502020204030204" pitchFamily="34" charset="0"/>
+              </a:rPr>
+              <a:t>Dionisio, III, Gilbert, 2013</a:t>
+            </a:r>
+            <a:r>
+              <a:rPr lang="en-GB" sz="2700" dirty="0">
+                <a:effectLst/>
+                <a:latin typeface="+mn-lt"/>
+                <a:ea typeface="Calibri" panose="020F0502020204030204" pitchFamily="34" charset="0"/>
+                <a:cs typeface="Arial" panose="020B0604020202020204" pitchFamily="34" charset="0"/>
+              </a:rPr>
+              <a:t>). The second example is wanted can be seen in ready player one. The virtual universe is split into multiple virtual worlds (</a:t>
+            </a:r>
+            <a:r>
+              <a:rPr lang="en-GB" sz="2700" dirty="0">
+                <a:effectLst/>
+                <a:latin typeface="+mn-lt"/>
+                <a:ea typeface="Calibri" panose="020F0502020204030204" pitchFamily="34" charset="0"/>
+                <a:cs typeface="Calibri" panose="020F0502020204030204" pitchFamily="34" charset="0"/>
+              </a:rPr>
+              <a:t>Cline et al., </a:t>
+            </a:r>
+            <a:r>
+              <a:rPr lang="en-GB" sz="2700" dirty="0">
+                <a:effectLst/>
+                <a:latin typeface="+mn-lt"/>
+                <a:ea typeface="Calibri" panose="020F0502020204030204" pitchFamily="34" charset="0"/>
+                <a:cs typeface="Arial" panose="020B0604020202020204" pitchFamily="34" charset="0"/>
+              </a:rPr>
+              <a:t>2011</a:t>
+            </a:r>
+            <a:r>
+              <a:rPr lang="en-GB" sz="2700" dirty="0">
+                <a:effectLst/>
+                <a:latin typeface="+mn-lt"/>
+                <a:ea typeface="Calibri" panose="020F0502020204030204" pitchFamily="34" charset="0"/>
+                <a:cs typeface="Calibri" panose="020F0502020204030204" pitchFamily="34" charset="0"/>
+              </a:rPr>
+              <a:t>)</a:t>
+            </a:r>
+            <a:r>
+              <a:rPr lang="en-GB" sz="2700" dirty="0">
+                <a:effectLst/>
+                <a:latin typeface="+mn-lt"/>
+                <a:ea typeface="Calibri" panose="020F0502020204030204" pitchFamily="34" charset="0"/>
+                <a:cs typeface="Arial" panose="020B0604020202020204" pitchFamily="34" charset="0"/>
+              </a:rPr>
+              <a:t> that players can explore interact with, they are able to travel to other worlds inside the universe. </a:t>
+            </a:r>
+            <a:br>
+              <a:rPr lang="en-GB" sz="2700" dirty="0">
+                <a:effectLst/>
+                <a:latin typeface="+mn-lt"/>
+                <a:ea typeface="Calibri" panose="020F0502020204030204" pitchFamily="34" charset="0"/>
+                <a:cs typeface="Arial" panose="020B0604020202020204" pitchFamily="34" charset="0"/>
+              </a:rPr>
+            </a:br>
+            <a:r>
+              <a:rPr lang="en-GB" sz="2700" b="1" dirty="0">
+                <a:solidFill>
+                  <a:srgbClr val="1A9DAC"/>
+                </a:solidFill>
+                <a:latin typeface="+mn-lt"/>
+                <a:ea typeface="Calibri" panose="020F0502020204030204" pitchFamily="34" charset="0"/>
+                <a:cs typeface="Times New Roman" panose="02020603050405020304" pitchFamily="18" charset="0"/>
+              </a:rPr>
+              <a:t>Game Engines</a:t>
+            </a:r>
+            <a:br>
+              <a:rPr lang="en-GB" sz="2700" dirty="0">
+                <a:effectLst/>
+                <a:latin typeface="+mn-lt"/>
+                <a:ea typeface="Calibri" panose="020F0502020204030204" pitchFamily="34" charset="0"/>
+                <a:cs typeface="Arial" panose="020B0604020202020204" pitchFamily="34" charset="0"/>
+              </a:rPr>
+            </a:br>
+            <a:r>
+              <a:rPr lang="en-GB" sz="2700" dirty="0">
+                <a:effectLst/>
+                <a:latin typeface="+mn-lt"/>
+                <a:ea typeface="Calibri" panose="020F0502020204030204" pitchFamily="34" charset="0"/>
+                <a:cs typeface="Arial" panose="020B0604020202020204" pitchFamily="34" charset="0"/>
+              </a:rPr>
+              <a:t>Game engines are sets of tools that allow a programmer to, perform game related tasks like interpretation and physics related tasks and for focusing on the niceties that make the game great(</a:t>
+            </a:r>
+            <a:r>
+              <a:rPr lang="en-GB" sz="2700" u="sng" dirty="0">
+                <a:effectLst/>
+                <a:latin typeface="+mn-lt"/>
+                <a:ea typeface="Calibri" panose="020F0502020204030204" pitchFamily="34" charset="0"/>
+                <a:cs typeface="Arial" panose="020B0604020202020204" pitchFamily="34" charset="0"/>
+                <a:hlinkClick r:id="rId3">
+                  <a:extLst>
+                    <a:ext uri="{A12FA001-AC4F-418D-AE19-62706E023703}">
+                      <ahyp:hlinkClr xmlns:ahyp="http://schemas.microsoft.com/office/drawing/2018/hyperlinkcolor" val="tx"/>
+                    </a:ext>
+                  </a:extLst>
+                </a:hlinkClick>
+              </a:rPr>
+              <a:t>Mishra</a:t>
+            </a:r>
+            <a:r>
+              <a:rPr lang="en-GB" sz="2700" dirty="0">
+                <a:effectLst/>
+                <a:latin typeface="+mn-lt"/>
+                <a:ea typeface="Calibri" panose="020F0502020204030204" pitchFamily="34" charset="0"/>
+                <a:cs typeface="Arial" panose="020B0604020202020204" pitchFamily="34" charset="0"/>
+              </a:rPr>
+              <a:t>, </a:t>
+            </a:r>
+            <a:r>
+              <a:rPr lang="en-GB" sz="2700" u="sng" dirty="0" err="1">
+                <a:effectLst/>
+                <a:latin typeface="+mn-lt"/>
+                <a:ea typeface="Calibri" panose="020F0502020204030204" pitchFamily="34" charset="0"/>
+                <a:cs typeface="Arial" panose="020B0604020202020204" pitchFamily="34" charset="0"/>
+                <a:hlinkClick r:id="rId4">
+                  <a:extLst>
+                    <a:ext uri="{A12FA001-AC4F-418D-AE19-62706E023703}">
+                      <ahyp:hlinkClr xmlns:ahyp="http://schemas.microsoft.com/office/drawing/2018/hyperlinkcolor" val="tx"/>
+                    </a:ext>
+                  </a:extLst>
+                </a:hlinkClick>
+              </a:rPr>
+              <a:t>Shrawankar</a:t>
+            </a:r>
+            <a:r>
+              <a:rPr lang="en-GB" sz="2700" dirty="0">
+                <a:effectLst/>
+                <a:latin typeface="+mn-lt"/>
+                <a:ea typeface="Calibri" panose="020F0502020204030204" pitchFamily="34" charset="0"/>
+                <a:cs typeface="Arial" panose="020B0604020202020204" pitchFamily="34" charset="0"/>
+              </a:rPr>
+              <a:t>, 2016). </a:t>
+            </a:r>
+            <a:br>
+              <a:rPr lang="en-GB" sz="1800" dirty="0">
+                <a:effectLst/>
+                <a:latin typeface="Calibri" panose="020F0502020204030204" pitchFamily="34" charset="0"/>
+                <a:ea typeface="Calibri" panose="020F0502020204030204" pitchFamily="34" charset="0"/>
+                <a:cs typeface="Arial" panose="020B0604020202020204" pitchFamily="34" charset="0"/>
+              </a:rPr>
+            </a:br>
             <a:br>
               <a:rPr lang="en-GB" sz="2400" dirty="0"/>
             </a:br>
@@ -3244,8 +3538,183 @@
         </p:nvSpPr>
         <p:spPr>
           <a:xfrm>
-            <a:off x="414643" y="8050016"/>
-            <a:ext cx="8801432" cy="3674020"/>
+            <a:off x="302477" y="4102268"/>
+            <a:ext cx="8801432" cy="2848382"/>
+          </a:xfrm>
+          <a:prstGeom prst="rect">
+            <a:avLst/>
+          </a:prstGeom>
+        </p:spPr>
+        <p:txBody>
+          <a:bodyPr vert="horz" lIns="91440" tIns="45720" rIns="91440" bIns="45720" rtlCol="0" anchor="t">
+            <a:normAutofit fontScale="92500" lnSpcReduction="10000"/>
+          </a:bodyPr>
+          <a:lstStyle>
+            <a:lvl1pPr algn="ctr" defTabSz="2138324" rtl="0" eaLnBrk="1" latinLnBrk="0" hangingPunct="1">
+              <a:lnSpc>
+                <a:spcPct val="90000"/>
+              </a:lnSpc>
+              <a:spcBef>
+                <a:spcPct val="0"/>
+              </a:spcBef>
+              <a:buNone/>
+              <a:defRPr sz="14031" kern="1200">
+                <a:solidFill>
+                  <a:schemeClr val="tx1"/>
+                </a:solidFill>
+                <a:latin typeface="+mj-lt"/>
+                <a:ea typeface="+mj-ea"/>
+                <a:cs typeface="+mj-cs"/>
+              </a:defRPr>
+            </a:lvl1pPr>
+          </a:lstStyle>
+          <a:p>
+            <a:r>
+              <a:rPr lang="en-GB" sz="3600" b="1" dirty="0">
+                <a:latin typeface="+mn-lt"/>
+              </a:rPr>
+              <a:t>Aims and objectives:</a:t>
+            </a:r>
+          </a:p>
+          <a:p>
+            <a:pPr algn="l"/>
+            <a:endParaRPr lang="en-GB" sz="2400" dirty="0">
+              <a:latin typeface="+mn-lt"/>
+            </a:endParaRPr>
+          </a:p>
+          <a:p>
+            <a:pPr algn="l"/>
+            <a:r>
+              <a:rPr lang="en-GB" sz="2400" dirty="0">
+                <a:latin typeface="+mn-lt"/>
+              </a:rPr>
+              <a:t>The aim of the project is to:</a:t>
+            </a:r>
+          </a:p>
+          <a:p>
+            <a:pPr algn="l"/>
+            <a:endParaRPr lang="en-GB" sz="2400" dirty="0">
+              <a:latin typeface="+mn-lt"/>
+            </a:endParaRPr>
+          </a:p>
+          <a:p>
+            <a:pPr marL="457200" indent="-457200" algn="l">
+              <a:buAutoNum type="arabicPeriod"/>
+            </a:pPr>
+            <a:r>
+              <a:rPr lang="en-GB" sz="2400" dirty="0">
+                <a:latin typeface="+mn-lt"/>
+              </a:rPr>
+              <a:t>Create the 8 Queens puzzle</a:t>
+            </a:r>
+          </a:p>
+          <a:p>
+            <a:pPr marL="457200" indent="-457200" algn="l">
+              <a:buAutoNum type="arabicPeriod"/>
+            </a:pPr>
+            <a:r>
+              <a:rPr lang="en-GB" sz="2400" dirty="0">
+                <a:latin typeface="+mn-lt"/>
+              </a:rPr>
+              <a:t>Create 2048 puzzle</a:t>
+            </a:r>
+          </a:p>
+          <a:p>
+            <a:pPr marL="457200" indent="-457200" algn="l">
+              <a:buAutoNum type="arabicPeriod"/>
+            </a:pPr>
+            <a:r>
+              <a:rPr lang="en-GB" sz="2400" dirty="0">
+                <a:latin typeface="+mn-lt"/>
+              </a:rPr>
+              <a:t>Create a website to display score data for both puzzles </a:t>
+            </a:r>
+          </a:p>
+          <a:p>
+            <a:pPr marL="457200" indent="-457200" algn="l">
+              <a:buAutoNum type="arabicPeriod"/>
+            </a:pPr>
+            <a:r>
+              <a:rPr lang="en-GB" sz="2400" dirty="0">
+                <a:latin typeface="+mn-lt"/>
+              </a:rPr>
+              <a:t>Create a REST API to allow communication between the headset and webserver.</a:t>
+            </a:r>
+          </a:p>
+          <a:p>
+            <a:pPr marL="342900" indent="-342900" algn="l">
+              <a:buFont typeface="Arial" panose="020B0604020202020204" pitchFamily="34" charset="0"/>
+              <a:buChar char="•"/>
+            </a:pPr>
+            <a:endParaRPr lang="en-GB" sz="2400" dirty="0"/>
+          </a:p>
+          <a:p>
+            <a:pPr algn="l"/>
+            <a:endParaRPr lang="en-GB" sz="2400" dirty="0"/>
+          </a:p>
+          <a:p>
+            <a:pPr algn="l"/>
+            <a:endParaRPr lang="en-GB" sz="2400" dirty="0"/>
+          </a:p>
+          <a:p>
+            <a:pPr algn="l"/>
+            <a:endParaRPr lang="en-GB" sz="2400" dirty="0"/>
+          </a:p>
+        </p:txBody>
+      </p:sp>
+      <p:sp>
+        <p:nvSpPr>
+          <p:cNvPr id="13" name="TextBox 12">
+            <a:extLst>
+              <a:ext uri="{FF2B5EF4-FFF2-40B4-BE49-F238E27FC236}">
+                <a16:creationId xmlns:a16="http://schemas.microsoft.com/office/drawing/2014/main" id="{E2139A99-734D-492D-A2B4-ABC6F3A46758}"/>
+              </a:ext>
+            </a:extLst>
+          </p:cNvPr>
+          <p:cNvSpPr txBox="1"/>
+          <p:nvPr/>
+        </p:nvSpPr>
+        <p:spPr>
+          <a:xfrm>
+            <a:off x="11322812" y="8670049"/>
+            <a:ext cx="6669967" cy="646331"/>
+          </a:xfrm>
+          <a:prstGeom prst="rect">
+            <a:avLst/>
+          </a:prstGeom>
+          <a:noFill/>
+        </p:spPr>
+        <p:txBody>
+          <a:bodyPr wrap="none" rtlCol="0">
+            <a:spAutoFit/>
+          </a:bodyPr>
+          <a:lstStyle/>
+          <a:p>
+            <a:r>
+              <a:rPr lang="en-GB" sz="3600" b="1" dirty="0"/>
+              <a:t>Design, Implementation &amp; Testing</a:t>
+            </a:r>
+          </a:p>
+        </p:txBody>
+      </p:sp>
+      <p:sp>
+        <p:nvSpPr>
+          <p:cNvPr id="14" name="Title 1">
+            <a:extLst>
+              <a:ext uri="{FF2B5EF4-FFF2-40B4-BE49-F238E27FC236}">
+                <a16:creationId xmlns:a16="http://schemas.microsoft.com/office/drawing/2014/main" id="{29471E64-3B9C-4ECE-8C5C-623E3B8AA5F1}"/>
+              </a:ext>
+            </a:extLst>
+          </p:cNvPr>
+          <p:cNvSpPr txBox="1">
+            <a:spLocks/>
+          </p:cNvSpPr>
+          <p:nvPr/>
+        </p:nvSpPr>
+        <p:spPr>
+          <a:xfrm>
+            <a:off x="10109798" y="2098889"/>
+            <a:ext cx="8823076" cy="6685036"/>
           </a:xfrm>
           <a:prstGeom prst="rect">
             <a:avLst/>
@@ -3275,10 +3744,72 @@
             </a:lvl1pPr>
           </a:lstStyle>
           <a:p>
+            <a:r>
+              <a:rPr lang="en-GB" sz="3600" b="1" dirty="0">
+                <a:latin typeface="+mn-lt"/>
+              </a:rPr>
+              <a:t>Key requirements:</a:t>
+            </a:r>
+            <a:endParaRPr lang="en-GB" sz="2400" dirty="0">
+              <a:latin typeface="+mn-lt"/>
+            </a:endParaRPr>
+          </a:p>
+          <a:p>
             <a:pPr algn="l"/>
             <a:r>
-              <a:rPr lang="en-GB" sz="3000" b="1" dirty="0"/>
-              <a:t>Aims and objectives:</a:t>
+              <a:rPr lang="en-GB" sz="2400" dirty="0">
+                <a:latin typeface="+mn-lt"/>
+              </a:rPr>
+              <a:t>Functional</a:t>
+            </a:r>
+          </a:p>
+          <a:p>
+            <a:pPr marL="457200" indent="-457200" algn="l">
+              <a:buFont typeface="Arial" panose="020B0604020202020204" pitchFamily="34" charset="0"/>
+              <a:buChar char="•"/>
+            </a:pPr>
+            <a:r>
+              <a:rPr lang="en-GB" sz="2400" dirty="0">
+                <a:latin typeface="+mn-lt"/>
+              </a:rPr>
+              <a:t>Must be able to determine if a given 8 queens solution is correct or incorrect</a:t>
+            </a:r>
+            <a:endParaRPr lang="en-GB" sz="2400" dirty="0"/>
+          </a:p>
+          <a:p>
+            <a:pPr marL="457200" indent="-457200" algn="l">
+              <a:buFont typeface="Arial" panose="020B0604020202020204" pitchFamily="34" charset="0"/>
+              <a:buChar char="•"/>
+            </a:pPr>
+            <a:r>
+              <a:rPr lang="en-GB" sz="2400" dirty="0">
+                <a:latin typeface="+mn-lt"/>
+              </a:rPr>
+              <a:t>Must be able to determine when the user has lost 2048 or won.</a:t>
+            </a:r>
+          </a:p>
+          <a:p>
+            <a:pPr marL="457200" indent="-457200" algn="l">
+              <a:buFont typeface="Arial" panose="020B0604020202020204" pitchFamily="34" charset="0"/>
+              <a:buChar char="•"/>
+            </a:pPr>
+            <a:r>
+              <a:rPr lang="en-GB" sz="2400" dirty="0">
+                <a:latin typeface="+mn-lt"/>
+              </a:rPr>
+              <a:t>Headset must send JSON data from headset to webserver</a:t>
+            </a:r>
+          </a:p>
+          <a:p>
+            <a:pPr marL="457200" indent="-457200" algn="l">
+              <a:buFont typeface="Arial" panose="020B0604020202020204" pitchFamily="34" charset="0"/>
+              <a:buChar char="•"/>
+            </a:pPr>
+            <a:r>
+              <a:rPr lang="en-GB" sz="2400" dirty="0">
+                <a:latin typeface="+mn-lt"/>
+              </a:rPr>
+              <a:t>Json data sent from headset must be stored in correct table in database depending on whether it is 2048 score data or 8 queens.</a:t>
             </a:r>
           </a:p>
           <a:p>
@@ -3288,77 +3819,87 @@
           <a:p>
             <a:pPr algn="l"/>
             <a:r>
-              <a:rPr lang="en-GB" sz="2400" dirty="0"/>
-              <a:t>A very short description of the aims of the project and an outline of the objectives.</a:t>
-            </a:r>
-          </a:p>
-          <a:p>
-            <a:pPr algn="l"/>
-            <a:endParaRPr lang="en-GB" sz="2400" dirty="0"/>
+              <a:rPr lang="en-GB" sz="2400" dirty="0">
+                <a:latin typeface="+mn-lt"/>
+              </a:rPr>
+              <a:t>Non-functional</a:t>
+            </a:r>
           </a:p>
           <a:p>
             <a:pPr marL="457200" indent="-457200" algn="l">
-              <a:buAutoNum type="arabicPeriod"/>
+              <a:buFont typeface="Arial" panose="020B0604020202020204" pitchFamily="34" charset="0"/>
+              <a:buChar char="•"/>
             </a:pPr>
             <a:r>
-              <a:rPr lang="en-GB" sz="2400" dirty="0"/>
-              <a:t>Create the 8 Queens puzzle</a:t>
+              <a:rPr lang="en-GB" sz="2400" dirty="0">
+                <a:effectLst/>
+                <a:latin typeface="+mn-lt"/>
+                <a:ea typeface="Calibri" panose="020F0502020204030204" pitchFamily="34" charset="0"/>
+                <a:cs typeface="Arial" panose="020B0604020202020204" pitchFamily="34" charset="0"/>
+              </a:rPr>
+              <a:t>A User interface is necessary to allow users to select different puzzles </a:t>
             </a:r>
           </a:p>
           <a:p>
             <a:pPr marL="457200" indent="-457200" algn="l">
-              <a:buAutoNum type="arabicPeriod"/>
+              <a:buFont typeface="Arial" panose="020B0604020202020204" pitchFamily="34" charset="0"/>
+              <a:buChar char="•"/>
             </a:pPr>
             <a:r>
-              <a:rPr lang="en-GB" sz="2400" dirty="0"/>
-              <a:t>Create 2048</a:t>
+              <a:rPr lang="en-GB" sz="2400" dirty="0">
+                <a:effectLst/>
+                <a:latin typeface="+mn-lt"/>
+                <a:ea typeface="Calibri" panose="020F0502020204030204" pitchFamily="34" charset="0"/>
+                <a:cs typeface="Arial" panose="020B0604020202020204" pitchFamily="34" charset="0"/>
+              </a:rPr>
+              <a:t>The game must be able to run at a reasonable frame rate on the quest 2, approx. 60fps.</a:t>
             </a:r>
           </a:p>
           <a:p>
             <a:pPr marL="457200" indent="-457200" algn="l">
-              <a:buAutoNum type="arabicPeriod"/>
+              <a:buFont typeface="Arial" panose="020B0604020202020204" pitchFamily="34" charset="0"/>
+              <a:buChar char="•"/>
             </a:pPr>
             <a:r>
-              <a:rPr lang="en-GB" sz="2400" dirty="0"/>
-              <a:t>Create a website to display score data </a:t>
+              <a:rPr lang="en-GB" sz="2400" dirty="0">
+                <a:effectLst/>
+                <a:latin typeface="+mn-lt"/>
+                <a:ea typeface="Calibri" panose="020F0502020204030204" pitchFamily="34" charset="0"/>
+                <a:cs typeface="Arial" panose="020B0604020202020204" pitchFamily="34" charset="0"/>
+              </a:rPr>
+              <a:t>Multiple users are going to need to access the website at one time, the website should be robust enough for this to be allowed</a:t>
             </a:r>
           </a:p>
           <a:p>
             <a:pPr marL="457200" indent="-457200" algn="l">
-              <a:buAutoNum type="arabicPeriod"/>
+              <a:buFont typeface="Arial" panose="020B0604020202020204" pitchFamily="34" charset="0"/>
+              <a:buChar char="•"/>
             </a:pPr>
             <a:r>
-              <a:rPr lang="en-GB" sz="2400" dirty="0"/>
-              <a:t>Create a REST API to allow communication between the headset and webserver.</a:t>
-            </a:r>
-          </a:p>
-          <a:p>
-            <a:pPr marL="342900" indent="-342900" algn="l">
+              <a:rPr lang="en-GB" sz="2400" dirty="0">
+                <a:effectLst/>
+                <a:latin typeface="+mn-lt"/>
+                <a:ea typeface="Calibri" panose="020F0502020204030204" pitchFamily="34" charset="0"/>
+                <a:cs typeface="Arial" panose="020B0604020202020204" pitchFamily="34" charset="0"/>
+              </a:rPr>
+              <a:t>The game should be able to check the validity of a solution without any lag.</a:t>
+            </a:r>
+          </a:p>
+          <a:p>
+            <a:pPr marL="457200" indent="-457200" algn="l">
               <a:buFont typeface="Arial" panose="020B0604020202020204" pitchFamily="34" charset="0"/>
               <a:buChar char="•"/>
             </a:pPr>
             <a:endParaRPr lang="en-GB" sz="2400" dirty="0"/>
           </a:p>
-          <a:p>
-            <a:pPr algn="l"/>
-            <a:endParaRPr lang="en-GB" sz="2400" dirty="0"/>
-          </a:p>
-          <a:p>
-            <a:pPr algn="l"/>
-            <a:endParaRPr lang="en-GB" sz="2400" dirty="0"/>
-          </a:p>
-          <a:p>
-            <a:pPr algn="l"/>
-            <a:endParaRPr lang="en-GB" sz="2400" dirty="0"/>
-          </a:p>
-        </p:txBody>
-      </p:sp>
-      <p:sp>
-        <p:nvSpPr>
-          <p:cNvPr id="13" name="TextBox 12">
+        </p:txBody>
+      </p:sp>
+      <p:sp>
+        <p:nvSpPr>
+          <p:cNvPr id="17" name="TextBox 16">
             <a:extLst>
               <a:ext uri="{FF2B5EF4-FFF2-40B4-BE49-F238E27FC236}">
-                <a16:creationId xmlns:a16="http://schemas.microsoft.com/office/drawing/2014/main" id="{E2139A99-734D-492D-A2B4-ABC6F3A46758}"/>
+                <a16:creationId xmlns:a16="http://schemas.microsoft.com/office/drawing/2014/main" id="{8031F712-8648-4AFF-9A6D-FCBF70730BEB}"/>
               </a:ext>
             </a:extLst>
           </p:cNvPr>
@@ -3367,8 +3908,8 @@
         </p:nvSpPr>
         <p:spPr>
           <a:xfrm>
-            <a:off x="10361349" y="11953633"/>
-            <a:ext cx="5583131" cy="553998"/>
+            <a:off x="21631531" y="2104994"/>
+            <a:ext cx="4938211" cy="646331"/>
           </a:xfrm>
           <a:prstGeom prst="rect">
             <a:avLst/>
@@ -3382,18 +3923,18 @@
           <a:lstStyle/>
           <a:p>
             <a:r>
-              <a:rPr lang="en-GB" sz="3000" b="1" dirty="0"/>
-              <a:t>Design, Implementation &amp; Testing</a:t>
-            </a:r>
-          </a:p>
-        </p:txBody>
-      </p:sp>
-      <p:sp>
-        <p:nvSpPr>
-          <p:cNvPr id="14" name="Title 1">
+              <a:rPr lang="en-GB" sz="3600" i="1" dirty="0"/>
+              <a:t>Implementation artefacts</a:t>
+            </a:r>
+          </a:p>
+        </p:txBody>
+      </p:sp>
+      <p:sp>
+        <p:nvSpPr>
+          <p:cNvPr id="19" name="Title 1">
             <a:extLst>
               <a:ext uri="{FF2B5EF4-FFF2-40B4-BE49-F238E27FC236}">
-                <a16:creationId xmlns:a16="http://schemas.microsoft.com/office/drawing/2014/main" id="{29471E64-3B9C-4ECE-8C5C-623E3B8AA5F1}"/>
+                <a16:creationId xmlns:a16="http://schemas.microsoft.com/office/drawing/2014/main" id="{5B50A179-7B9A-4987-A17A-B2BA2FD57E22}"/>
               </a:ext>
             </a:extLst>
           </p:cNvPr>
@@ -3404,8 +3945,8 @@
         </p:nvSpPr>
         <p:spPr>
           <a:xfrm>
-            <a:off x="10354220" y="5058834"/>
-            <a:ext cx="8823076" cy="7845028"/>
+            <a:off x="19420602" y="13688034"/>
+            <a:ext cx="10203892" cy="5896101"/>
           </a:xfrm>
           <a:prstGeom prst="rect">
             <a:avLst/>
@@ -3413,7 +3954,7 @@
         </p:spPr>
         <p:txBody>
           <a:bodyPr vert="horz" lIns="91440" tIns="45720" rIns="91440" bIns="45720" rtlCol="0" anchor="t">
-            <a:normAutofit/>
+            <a:normAutofit fontScale="25000" lnSpcReduction="20000"/>
           </a:bodyPr>
           <a:lstStyle>
             <a:lvl1pPr algn="ctr" defTabSz="2138324" rtl="0" eaLnBrk="1" latinLnBrk="0" hangingPunct="1">
@@ -3435,281 +3976,486 @@
             </a:lvl1pPr>
           </a:lstStyle>
           <a:p>
+            <a:pPr>
+              <a:lnSpc>
+                <a:spcPct val="107000"/>
+              </a:lnSpc>
+              <a:spcAft>
+                <a:spcPts val="800"/>
+              </a:spcAft>
+            </a:pPr>
+            <a:endParaRPr lang="en-GB" sz="12800" dirty="0">
+              <a:latin typeface="+mn-lt"/>
+            </a:endParaRPr>
+          </a:p>
+          <a:p>
+            <a:pPr>
+              <a:lnSpc>
+                <a:spcPct val="107000"/>
+              </a:lnSpc>
+              <a:spcAft>
+                <a:spcPts val="800"/>
+              </a:spcAft>
+            </a:pPr>
+            <a:r>
+              <a:rPr lang="en-GB" sz="12800" dirty="0">
+                <a:latin typeface="+mn-lt"/>
+              </a:rPr>
+              <a:t>Planning and time management  </a:t>
+            </a:r>
+            <a:br>
+              <a:rPr lang="en-GB" sz="3000" dirty="0"/>
+            </a:br>
+            <a:br>
+              <a:rPr lang="en-GB" sz="5600" dirty="0"/>
+            </a:br>
+            <a:r>
+              <a:rPr lang="en-GB" sz="6400" dirty="0">
+                <a:effectLst/>
+                <a:latin typeface="Calibri" panose="020F0502020204030204" pitchFamily="34" charset="0"/>
+                <a:ea typeface="Calibri" panose="020F0502020204030204" pitchFamily="34" charset="0"/>
+                <a:cs typeface="Arial" panose="020B0604020202020204" pitchFamily="34" charset="0"/>
+              </a:rPr>
+              <a:t>Project setup Sprint 0: (9</a:t>
+            </a:r>
+            <a:r>
+              <a:rPr lang="en-GB" sz="6400" baseline="30000" dirty="0">
+                <a:effectLst/>
+                <a:latin typeface="Calibri" panose="020F0502020204030204" pitchFamily="34" charset="0"/>
+                <a:ea typeface="Calibri" panose="020F0502020204030204" pitchFamily="34" charset="0"/>
+                <a:cs typeface="Arial" panose="020B0604020202020204" pitchFamily="34" charset="0"/>
+              </a:rPr>
+              <a:t>th</a:t>
+            </a:r>
+            <a:r>
+              <a:rPr lang="en-GB" sz="6400" dirty="0">
+                <a:effectLst/>
+                <a:latin typeface="Calibri" panose="020F0502020204030204" pitchFamily="34" charset="0"/>
+                <a:ea typeface="Calibri" panose="020F0502020204030204" pitchFamily="34" charset="0"/>
+                <a:cs typeface="Arial" panose="020B0604020202020204" pitchFamily="34" charset="0"/>
+              </a:rPr>
+              <a:t> Jan – 15</a:t>
+            </a:r>
+            <a:r>
+              <a:rPr lang="en-GB" sz="6400" baseline="30000" dirty="0">
+                <a:effectLst/>
+                <a:latin typeface="Calibri" panose="020F0502020204030204" pitchFamily="34" charset="0"/>
+                <a:ea typeface="Calibri" panose="020F0502020204030204" pitchFamily="34" charset="0"/>
+                <a:cs typeface="Arial" panose="020B0604020202020204" pitchFamily="34" charset="0"/>
+              </a:rPr>
+              <a:t>th</a:t>
+            </a:r>
+            <a:r>
+              <a:rPr lang="en-GB" sz="6400" dirty="0">
+                <a:effectLst/>
+                <a:latin typeface="Calibri" panose="020F0502020204030204" pitchFamily="34" charset="0"/>
+                <a:ea typeface="Calibri" panose="020F0502020204030204" pitchFamily="34" charset="0"/>
+                <a:cs typeface="Arial" panose="020B0604020202020204" pitchFamily="34" charset="0"/>
+              </a:rPr>
+              <a:t> Jan)</a:t>
+            </a:r>
+          </a:p>
+          <a:p>
+            <a:pPr>
+              <a:lnSpc>
+                <a:spcPct val="107000"/>
+              </a:lnSpc>
+              <a:spcAft>
+                <a:spcPts val="800"/>
+              </a:spcAft>
+            </a:pPr>
+            <a:r>
+              <a:rPr lang="en-GB" sz="6400" dirty="0">
+                <a:effectLst/>
+                <a:latin typeface="Calibri" panose="020F0502020204030204" pitchFamily="34" charset="0"/>
+                <a:ea typeface="Calibri" panose="020F0502020204030204" pitchFamily="34" charset="0"/>
+                <a:cs typeface="Arial" panose="020B0604020202020204" pitchFamily="34" charset="0"/>
+              </a:rPr>
+              <a:t>This sprint will be 2 days long. In this sprint, basic project setup will be completed. Such as importing all libraries and packages that will be needed include Oculus integrations, creating a very basic prototype application to test all packages are working correctly and everything was setup and imported correctly.</a:t>
+            </a:r>
+          </a:p>
+          <a:p>
+            <a:pPr>
+              <a:lnSpc>
+                <a:spcPct val="107000"/>
+              </a:lnSpc>
+              <a:spcAft>
+                <a:spcPts val="800"/>
+              </a:spcAft>
+            </a:pPr>
+            <a:r>
+              <a:rPr lang="en-GB" sz="6400" dirty="0">
+                <a:effectLst/>
+                <a:latin typeface="Calibri" panose="020F0502020204030204" pitchFamily="34" charset="0"/>
+                <a:ea typeface="Calibri" panose="020F0502020204030204" pitchFamily="34" charset="0"/>
+                <a:cs typeface="Arial" panose="020B0604020202020204" pitchFamily="34" charset="0"/>
+              </a:rPr>
+              <a:t>Sprint 1: (16</a:t>
+            </a:r>
+            <a:r>
+              <a:rPr lang="en-GB" sz="6400" baseline="30000" dirty="0">
+                <a:effectLst/>
+                <a:latin typeface="Calibri" panose="020F0502020204030204" pitchFamily="34" charset="0"/>
+                <a:ea typeface="Calibri" panose="020F0502020204030204" pitchFamily="34" charset="0"/>
+                <a:cs typeface="Arial" panose="020B0604020202020204" pitchFamily="34" charset="0"/>
+              </a:rPr>
+              <a:t>th</a:t>
+            </a:r>
+            <a:r>
+              <a:rPr lang="en-GB" sz="6400" dirty="0">
+                <a:effectLst/>
+                <a:latin typeface="Calibri" panose="020F0502020204030204" pitchFamily="34" charset="0"/>
+                <a:ea typeface="Calibri" panose="020F0502020204030204" pitchFamily="34" charset="0"/>
+                <a:cs typeface="Arial" panose="020B0604020202020204" pitchFamily="34" charset="0"/>
+              </a:rPr>
+              <a:t> Jan – 22</a:t>
+            </a:r>
+            <a:r>
+              <a:rPr lang="en-GB" sz="6400" baseline="30000" dirty="0">
+                <a:effectLst/>
+                <a:latin typeface="Calibri" panose="020F0502020204030204" pitchFamily="34" charset="0"/>
+                <a:ea typeface="Calibri" panose="020F0502020204030204" pitchFamily="34" charset="0"/>
+                <a:cs typeface="Arial" panose="020B0604020202020204" pitchFamily="34" charset="0"/>
+              </a:rPr>
+              <a:t>nd</a:t>
+            </a:r>
+            <a:r>
+              <a:rPr lang="en-GB" sz="6400" dirty="0">
+                <a:effectLst/>
+                <a:latin typeface="Calibri" panose="020F0502020204030204" pitchFamily="34" charset="0"/>
+                <a:ea typeface="Calibri" panose="020F0502020204030204" pitchFamily="34" charset="0"/>
+                <a:cs typeface="Arial" panose="020B0604020202020204" pitchFamily="34" charset="0"/>
+              </a:rPr>
+              <a:t> Jan)</a:t>
+            </a:r>
+          </a:p>
+          <a:p>
+            <a:pPr>
+              <a:lnSpc>
+                <a:spcPct val="107000"/>
+              </a:lnSpc>
+              <a:spcAft>
+                <a:spcPts val="800"/>
+              </a:spcAft>
+            </a:pPr>
+            <a:r>
+              <a:rPr lang="en-GB" sz="6400" dirty="0">
+                <a:effectLst/>
+                <a:latin typeface="Calibri" panose="020F0502020204030204" pitchFamily="34" charset="0"/>
+                <a:ea typeface="Calibri" panose="020F0502020204030204" pitchFamily="34" charset="0"/>
+                <a:cs typeface="Arial" panose="020B0604020202020204" pitchFamily="34" charset="0"/>
+              </a:rPr>
+              <a:t>Basic game development of the puzzles will be done in this sprint, the two puzzles giving a week to produce each puzzle during the sprint I.E 8 queens puzzle and so forth. This will then be tested according to the requirements of the system. </a:t>
+            </a:r>
+          </a:p>
+          <a:p>
+            <a:pPr>
+              <a:lnSpc>
+                <a:spcPct val="107000"/>
+              </a:lnSpc>
+              <a:spcAft>
+                <a:spcPts val="800"/>
+              </a:spcAft>
+            </a:pPr>
+            <a:r>
+              <a:rPr lang="en-GB" sz="6400" dirty="0">
+                <a:effectLst/>
+                <a:latin typeface="Calibri" panose="020F0502020204030204" pitchFamily="34" charset="0"/>
+                <a:ea typeface="Calibri" panose="020F0502020204030204" pitchFamily="34" charset="0"/>
+                <a:cs typeface="Arial" panose="020B0604020202020204" pitchFamily="34" charset="0"/>
+              </a:rPr>
+              <a:t>Sprint 2: (22</a:t>
+            </a:r>
+            <a:r>
+              <a:rPr lang="en-GB" sz="6400" baseline="30000" dirty="0">
+                <a:effectLst/>
+                <a:latin typeface="Calibri" panose="020F0502020204030204" pitchFamily="34" charset="0"/>
+                <a:ea typeface="Calibri" panose="020F0502020204030204" pitchFamily="34" charset="0"/>
+                <a:cs typeface="Arial" panose="020B0604020202020204" pitchFamily="34" charset="0"/>
+              </a:rPr>
+              <a:t>nd</a:t>
+            </a:r>
+            <a:r>
+              <a:rPr lang="en-GB" sz="6400" dirty="0">
+                <a:effectLst/>
+                <a:latin typeface="Calibri" panose="020F0502020204030204" pitchFamily="34" charset="0"/>
+                <a:ea typeface="Calibri" panose="020F0502020204030204" pitchFamily="34" charset="0"/>
+                <a:cs typeface="Arial" panose="020B0604020202020204" pitchFamily="34" charset="0"/>
+              </a:rPr>
+              <a:t> Jan – 28</a:t>
+            </a:r>
+            <a:r>
+              <a:rPr lang="en-GB" sz="6400" baseline="30000" dirty="0">
+                <a:effectLst/>
+                <a:latin typeface="Calibri" panose="020F0502020204030204" pitchFamily="34" charset="0"/>
+                <a:ea typeface="Calibri" panose="020F0502020204030204" pitchFamily="34" charset="0"/>
+                <a:cs typeface="Arial" panose="020B0604020202020204" pitchFamily="34" charset="0"/>
+              </a:rPr>
+              <a:t>th</a:t>
+            </a:r>
+            <a:r>
+              <a:rPr lang="en-GB" sz="6400" dirty="0">
+                <a:effectLst/>
+                <a:latin typeface="Calibri" panose="020F0502020204030204" pitchFamily="34" charset="0"/>
+                <a:ea typeface="Calibri" panose="020F0502020204030204" pitchFamily="34" charset="0"/>
+                <a:cs typeface="Arial" panose="020B0604020202020204" pitchFamily="34" charset="0"/>
+              </a:rPr>
+              <a:t> Jan)</a:t>
+            </a:r>
+          </a:p>
+          <a:p>
+            <a:pPr>
+              <a:lnSpc>
+                <a:spcPct val="107000"/>
+              </a:lnSpc>
+              <a:spcAft>
+                <a:spcPts val="800"/>
+              </a:spcAft>
+            </a:pPr>
+            <a:r>
+              <a:rPr lang="en-GB" sz="6400" dirty="0">
+                <a:effectLst/>
+                <a:latin typeface="Calibri" panose="020F0502020204030204" pitchFamily="34" charset="0"/>
+                <a:ea typeface="Calibri" panose="020F0502020204030204" pitchFamily="34" charset="0"/>
+                <a:cs typeface="Arial" panose="020B0604020202020204" pitchFamily="34" charset="0"/>
+              </a:rPr>
+              <a:t>Further game development will be done here, including the creation of the puzzle 2048</a:t>
+            </a:r>
+          </a:p>
+          <a:p>
+            <a:pPr>
+              <a:lnSpc>
+                <a:spcPct val="107000"/>
+              </a:lnSpc>
+              <a:spcAft>
+                <a:spcPts val="800"/>
+              </a:spcAft>
+            </a:pPr>
+            <a:r>
+              <a:rPr lang="en-GB" sz="6400" dirty="0">
+                <a:effectLst/>
+                <a:latin typeface="Calibri" panose="020F0502020204030204" pitchFamily="34" charset="0"/>
+                <a:ea typeface="Calibri" panose="020F0502020204030204" pitchFamily="34" charset="0"/>
+                <a:cs typeface="Arial" panose="020B0604020202020204" pitchFamily="34" charset="0"/>
+              </a:rPr>
+              <a:t>Sprint 3: (4</a:t>
+            </a:r>
+            <a:r>
+              <a:rPr lang="en-GB" sz="6400" baseline="30000" dirty="0">
+                <a:effectLst/>
+                <a:latin typeface="Calibri" panose="020F0502020204030204" pitchFamily="34" charset="0"/>
+                <a:ea typeface="Calibri" panose="020F0502020204030204" pitchFamily="34" charset="0"/>
+                <a:cs typeface="Arial" panose="020B0604020202020204" pitchFamily="34" charset="0"/>
+              </a:rPr>
+              <a:t>th</a:t>
+            </a:r>
+            <a:r>
+              <a:rPr lang="en-GB" sz="6400" dirty="0">
+                <a:effectLst/>
+                <a:latin typeface="Calibri" panose="020F0502020204030204" pitchFamily="34" charset="0"/>
+                <a:ea typeface="Calibri" panose="020F0502020204030204" pitchFamily="34" charset="0"/>
+                <a:cs typeface="Arial" panose="020B0604020202020204" pitchFamily="34" charset="0"/>
+              </a:rPr>
+              <a:t> Feb – 10</a:t>
+            </a:r>
+            <a:r>
+              <a:rPr lang="en-GB" sz="6400" baseline="30000" dirty="0">
+                <a:effectLst/>
+                <a:latin typeface="Calibri" panose="020F0502020204030204" pitchFamily="34" charset="0"/>
+                <a:ea typeface="Calibri" panose="020F0502020204030204" pitchFamily="34" charset="0"/>
+                <a:cs typeface="Arial" panose="020B0604020202020204" pitchFamily="34" charset="0"/>
+              </a:rPr>
+              <a:t>th</a:t>
+            </a:r>
+            <a:r>
+              <a:rPr lang="en-GB" sz="6400" dirty="0">
+                <a:effectLst/>
+                <a:latin typeface="Calibri" panose="020F0502020204030204" pitchFamily="34" charset="0"/>
+                <a:ea typeface="Calibri" panose="020F0502020204030204" pitchFamily="34" charset="0"/>
+                <a:cs typeface="Arial" panose="020B0604020202020204" pitchFamily="34" charset="0"/>
+              </a:rPr>
+              <a:t> Feb)</a:t>
+            </a:r>
+          </a:p>
+          <a:p>
+            <a:pPr>
+              <a:lnSpc>
+                <a:spcPct val="107000"/>
+              </a:lnSpc>
+              <a:spcAft>
+                <a:spcPts val="800"/>
+              </a:spcAft>
+            </a:pPr>
+            <a:r>
+              <a:rPr lang="en-GB" sz="6400" dirty="0">
+                <a:effectLst/>
+                <a:latin typeface="Calibri" panose="020F0502020204030204" pitchFamily="34" charset="0"/>
+                <a:ea typeface="Calibri" panose="020F0502020204030204" pitchFamily="34" charset="0"/>
+                <a:cs typeface="Arial" panose="020B0604020202020204" pitchFamily="34" charset="0"/>
+              </a:rPr>
+              <a:t>Database setup will be performed in this sprint, the website will also be further developed. Testing to make sure data is stored correctly and is sent by the headset will also be done here.</a:t>
+            </a:r>
+          </a:p>
+          <a:p>
+            <a:pPr>
+              <a:lnSpc>
+                <a:spcPct val="107000"/>
+              </a:lnSpc>
+              <a:spcAft>
+                <a:spcPts val="800"/>
+              </a:spcAft>
+            </a:pPr>
+            <a:r>
+              <a:rPr lang="en-GB" sz="6400" dirty="0">
+                <a:effectLst/>
+                <a:latin typeface="Calibri" panose="020F0502020204030204" pitchFamily="34" charset="0"/>
+                <a:ea typeface="Calibri" panose="020F0502020204030204" pitchFamily="34" charset="0"/>
+                <a:cs typeface="Arial" panose="020B0604020202020204" pitchFamily="34" charset="0"/>
+              </a:rPr>
+              <a:t>Sprint 4:(11</a:t>
+            </a:r>
+            <a:r>
+              <a:rPr lang="en-GB" sz="6400" baseline="30000" dirty="0">
+                <a:effectLst/>
+                <a:latin typeface="Calibri" panose="020F0502020204030204" pitchFamily="34" charset="0"/>
+                <a:ea typeface="Calibri" panose="020F0502020204030204" pitchFamily="34" charset="0"/>
+                <a:cs typeface="Arial" panose="020B0604020202020204" pitchFamily="34" charset="0"/>
+              </a:rPr>
+              <a:t>th</a:t>
+            </a:r>
+            <a:r>
+              <a:rPr lang="en-GB" sz="6400" dirty="0">
+                <a:effectLst/>
+                <a:latin typeface="Calibri" panose="020F0502020204030204" pitchFamily="34" charset="0"/>
+                <a:ea typeface="Calibri" panose="020F0502020204030204" pitchFamily="34" charset="0"/>
+                <a:cs typeface="Arial" panose="020B0604020202020204" pitchFamily="34" charset="0"/>
+              </a:rPr>
+              <a:t> Feb – 13</a:t>
+            </a:r>
+            <a:r>
+              <a:rPr lang="en-GB" sz="6400" baseline="30000" dirty="0">
+                <a:effectLst/>
+                <a:latin typeface="Calibri" panose="020F0502020204030204" pitchFamily="34" charset="0"/>
+                <a:ea typeface="Calibri" panose="020F0502020204030204" pitchFamily="34" charset="0"/>
+                <a:cs typeface="Arial" panose="020B0604020202020204" pitchFamily="34" charset="0"/>
+              </a:rPr>
+              <a:t>th</a:t>
+            </a:r>
+            <a:r>
+              <a:rPr lang="en-GB" sz="6400" dirty="0">
+                <a:effectLst/>
+                <a:latin typeface="Calibri" panose="020F0502020204030204" pitchFamily="34" charset="0"/>
+                <a:ea typeface="Calibri" panose="020F0502020204030204" pitchFamily="34" charset="0"/>
+                <a:cs typeface="Arial" panose="020B0604020202020204" pitchFamily="34" charset="0"/>
+              </a:rPr>
+              <a:t> Feb)</a:t>
+            </a:r>
+          </a:p>
+          <a:p>
+            <a:pPr>
+              <a:lnSpc>
+                <a:spcPct val="107000"/>
+              </a:lnSpc>
+              <a:spcAft>
+                <a:spcPts val="800"/>
+              </a:spcAft>
+            </a:pPr>
+            <a:r>
+              <a:rPr lang="en-GB" sz="6400" dirty="0">
+                <a:effectLst/>
+                <a:latin typeface="Calibri" panose="020F0502020204030204" pitchFamily="34" charset="0"/>
+                <a:ea typeface="Calibri" panose="020F0502020204030204" pitchFamily="34" charset="0"/>
+                <a:cs typeface="Arial" panose="020B0604020202020204" pitchFamily="34" charset="0"/>
+              </a:rPr>
+              <a:t>User interface will be developed here according to the requirements specification. This will be tested along with the rest of the project to make sure everything is working correctly.</a:t>
+            </a:r>
+          </a:p>
+          <a:p>
+            <a:pPr>
+              <a:lnSpc>
+                <a:spcPct val="107000"/>
+              </a:lnSpc>
+              <a:spcAft>
+                <a:spcPts val="800"/>
+              </a:spcAft>
+            </a:pPr>
+            <a:r>
+              <a:rPr lang="en-GB" sz="6400" dirty="0">
+                <a:effectLst/>
+                <a:latin typeface="Calibri" panose="020F0502020204030204" pitchFamily="34" charset="0"/>
+                <a:ea typeface="Calibri" panose="020F0502020204030204" pitchFamily="34" charset="0"/>
+                <a:cs typeface="Arial" panose="020B0604020202020204" pitchFamily="34" charset="0"/>
+              </a:rPr>
+              <a:t>Sprint 5:(13</a:t>
+            </a:r>
+            <a:r>
+              <a:rPr lang="en-GB" sz="6400" baseline="30000" dirty="0">
+                <a:effectLst/>
+                <a:latin typeface="Calibri" panose="020F0502020204030204" pitchFamily="34" charset="0"/>
+                <a:ea typeface="Calibri" panose="020F0502020204030204" pitchFamily="34" charset="0"/>
+                <a:cs typeface="Arial" panose="020B0604020202020204" pitchFamily="34" charset="0"/>
+              </a:rPr>
+              <a:t>th</a:t>
+            </a:r>
+            <a:r>
+              <a:rPr lang="en-GB" sz="6400" dirty="0">
+                <a:effectLst/>
+                <a:latin typeface="Calibri" panose="020F0502020204030204" pitchFamily="34" charset="0"/>
+                <a:ea typeface="Calibri" panose="020F0502020204030204" pitchFamily="34" charset="0"/>
+                <a:cs typeface="Arial" panose="020B0604020202020204" pitchFamily="34" charset="0"/>
+              </a:rPr>
+              <a:t> Feb – 20</a:t>
+            </a:r>
+            <a:r>
+              <a:rPr lang="en-GB" sz="6400" baseline="30000" dirty="0">
+                <a:effectLst/>
+                <a:latin typeface="Calibri" panose="020F0502020204030204" pitchFamily="34" charset="0"/>
+                <a:ea typeface="Calibri" panose="020F0502020204030204" pitchFamily="34" charset="0"/>
+                <a:cs typeface="Arial" panose="020B0604020202020204" pitchFamily="34" charset="0"/>
+              </a:rPr>
+              <a:t>th</a:t>
+            </a:r>
+            <a:r>
+              <a:rPr lang="en-GB" sz="6400" dirty="0">
+                <a:effectLst/>
+                <a:latin typeface="Calibri" panose="020F0502020204030204" pitchFamily="34" charset="0"/>
+                <a:ea typeface="Calibri" panose="020F0502020204030204" pitchFamily="34" charset="0"/>
+                <a:cs typeface="Arial" panose="020B0604020202020204" pitchFamily="34" charset="0"/>
+              </a:rPr>
+              <a:t> Feb)</a:t>
+            </a:r>
+          </a:p>
+          <a:p>
+            <a:pPr>
+              <a:lnSpc>
+                <a:spcPct val="107000"/>
+              </a:lnSpc>
+              <a:spcAft>
+                <a:spcPts val="800"/>
+              </a:spcAft>
+            </a:pPr>
+            <a:r>
+              <a:rPr lang="en-GB" sz="6400" dirty="0">
+                <a:effectLst/>
+                <a:latin typeface="Calibri" panose="020F0502020204030204" pitchFamily="34" charset="0"/>
+                <a:ea typeface="Calibri" panose="020F0502020204030204" pitchFamily="34" charset="0"/>
+                <a:cs typeface="Arial" panose="020B0604020202020204" pitchFamily="34" charset="0"/>
+              </a:rPr>
+              <a:t>This sprint will consist of making sure everything is working correctly and working out any bugs that may have occurred and gone unnoticed during the systems development. Final testing of the system will also be done here, making sure the system properly satisfies all requirements. </a:t>
+            </a:r>
+          </a:p>
+          <a:p>
             <a:pPr algn="l"/>
-            <a:r>
-              <a:rPr lang="en-GB" sz="3000" b="1" dirty="0"/>
-              <a:t>Key requirements:</a:t>
-            </a:r>
-          </a:p>
-          <a:p>
-            <a:pPr algn="l"/>
-            <a:endParaRPr lang="en-GB" sz="2400" dirty="0"/>
-          </a:p>
-          <a:p>
-            <a:pPr algn="l"/>
-            <a:r>
-              <a:rPr lang="en-GB" sz="2400" dirty="0"/>
-              <a:t>Provide key requirements with short description if required. </a:t>
-            </a:r>
-          </a:p>
-          <a:p>
-            <a:pPr algn="l"/>
-            <a:endParaRPr lang="en-GB" sz="2400" dirty="0"/>
-          </a:p>
-          <a:p>
-            <a:pPr algn="l"/>
-            <a:r>
-              <a:rPr lang="en-GB" sz="2400" dirty="0"/>
-              <a:t>Functional</a:t>
-            </a:r>
-          </a:p>
-          <a:p>
-            <a:pPr marL="457200" indent="-457200" algn="l">
-              <a:buFont typeface="Arial" panose="020B0604020202020204" pitchFamily="34" charset="0"/>
-              <a:buChar char="•"/>
-            </a:pPr>
-            <a:r>
-              <a:rPr lang="en-GB" sz="2400" dirty="0"/>
-              <a:t>The tool must blah blah</a:t>
-            </a:r>
-          </a:p>
-          <a:p>
-            <a:pPr marL="914400" lvl="1" indent="-457200">
-              <a:buFont typeface="Arial" panose="020B0604020202020204" pitchFamily="34" charset="0"/>
-              <a:buChar char="•"/>
-            </a:pPr>
-            <a:endParaRPr lang="en-GB" sz="100" dirty="0"/>
-          </a:p>
-          <a:p>
-            <a:pPr marL="457200" indent="-457200" algn="l">
-              <a:buFont typeface="Arial" panose="020B0604020202020204" pitchFamily="34" charset="0"/>
-              <a:buChar char="•"/>
-            </a:pPr>
-            <a:r>
-              <a:rPr lang="en-GB" sz="2400" dirty="0"/>
-              <a:t>The tool must blah blah blah</a:t>
-            </a:r>
-          </a:p>
-          <a:p>
-            <a:pPr marL="457200" indent="-457200" algn="l">
-              <a:buFont typeface="Arial" panose="020B0604020202020204" pitchFamily="34" charset="0"/>
-              <a:buChar char="•"/>
-            </a:pPr>
-            <a:r>
-              <a:rPr lang="en-GB" sz="2400" dirty="0"/>
-              <a:t>The tool should blah blah blah</a:t>
-            </a:r>
-          </a:p>
-          <a:p>
-            <a:pPr marL="457200" indent="-457200" algn="l">
-              <a:buFont typeface="Arial" panose="020B0604020202020204" pitchFamily="34" charset="0"/>
-              <a:buChar char="•"/>
-            </a:pPr>
-            <a:r>
-              <a:rPr lang="en-GB" sz="2400" dirty="0"/>
-              <a:t>The tool should blah blah blah</a:t>
-            </a:r>
-          </a:p>
-          <a:p>
-            <a:pPr marL="457200" indent="-457200" algn="l">
-              <a:buFont typeface="Arial" panose="020B0604020202020204" pitchFamily="34" charset="0"/>
-              <a:buChar char="•"/>
-            </a:pPr>
-            <a:r>
-              <a:rPr lang="en-GB" sz="2400" dirty="0"/>
-              <a:t>The tool would blah blah blah</a:t>
-            </a:r>
-          </a:p>
-          <a:p>
-            <a:pPr algn="l"/>
-            <a:endParaRPr lang="en-GB" sz="2400" dirty="0"/>
-          </a:p>
-          <a:p>
-            <a:pPr algn="l"/>
-            <a:r>
-              <a:rPr lang="en-GB" sz="2400" dirty="0"/>
-              <a:t>Non-functional</a:t>
-            </a:r>
-          </a:p>
-          <a:p>
-            <a:pPr marL="457200" indent="-457200" algn="l">
-              <a:buFont typeface="Arial" panose="020B0604020202020204" pitchFamily="34" charset="0"/>
-              <a:buChar char="•"/>
-            </a:pPr>
-            <a:r>
-              <a:rPr lang="en-GB" sz="2400" dirty="0"/>
-              <a:t>The tool must blah blah blah</a:t>
-            </a:r>
-          </a:p>
-          <a:p>
-            <a:pPr marL="457200" indent="-457200" algn="l">
-              <a:buFont typeface="Arial" panose="020B0604020202020204" pitchFamily="34" charset="0"/>
-              <a:buChar char="•"/>
-            </a:pPr>
-            <a:r>
-              <a:rPr lang="en-GB" sz="2400" dirty="0"/>
-              <a:t>The tool must blah blah blah</a:t>
-            </a:r>
-          </a:p>
-          <a:p>
-            <a:pPr marL="457200" indent="-457200" algn="l">
-              <a:buFont typeface="Arial" panose="020B0604020202020204" pitchFamily="34" charset="0"/>
-              <a:buChar char="•"/>
-            </a:pPr>
-            <a:r>
-              <a:rPr lang="en-GB" sz="2400" dirty="0"/>
-              <a:t>The tool should blah blah blah</a:t>
-            </a:r>
-          </a:p>
-          <a:p>
-            <a:pPr marL="457200" indent="-457200" algn="l">
-              <a:buFont typeface="Arial" panose="020B0604020202020204" pitchFamily="34" charset="0"/>
-              <a:buChar char="•"/>
-            </a:pPr>
-            <a:r>
-              <a:rPr lang="en-GB" sz="2400" dirty="0"/>
-              <a:t>The tool should blah blah blah</a:t>
-            </a:r>
-          </a:p>
-          <a:p>
-            <a:pPr marL="457200" indent="-457200" algn="l">
-              <a:buFont typeface="Arial" panose="020B0604020202020204" pitchFamily="34" charset="0"/>
-              <a:buChar char="•"/>
-            </a:pPr>
-            <a:r>
-              <a:rPr lang="en-GB" sz="2400" dirty="0"/>
-              <a:t>The tool would blah blah blah</a:t>
-            </a:r>
-          </a:p>
-        </p:txBody>
-      </p:sp>
-      <p:sp>
-        <p:nvSpPr>
-          <p:cNvPr id="15" name="TextBox 14">
+            <a:endParaRPr lang="en-GB" sz="3000" dirty="0"/>
+          </a:p>
+        </p:txBody>
+      </p:sp>
+      <p:sp>
+        <p:nvSpPr>
+          <p:cNvPr id="20" name="Title 1">
             <a:extLst>
               <a:ext uri="{FF2B5EF4-FFF2-40B4-BE49-F238E27FC236}">
-                <a16:creationId xmlns:a16="http://schemas.microsoft.com/office/drawing/2014/main" id="{9F5ED70B-CEA5-47FA-AEAC-03AF27505209}"/>
-              </a:ext>
-            </a:extLst>
-          </p:cNvPr>
-          <p:cNvSpPr txBox="1"/>
-          <p:nvPr/>
-        </p:nvSpPr>
-        <p:spPr>
-          <a:xfrm>
-            <a:off x="11160189" y="13812161"/>
-            <a:ext cx="2273058" cy="523220"/>
-          </a:xfrm>
-          <a:prstGeom prst="rect">
-            <a:avLst/>
-          </a:prstGeom>
-          <a:noFill/>
-        </p:spPr>
-        <p:txBody>
-          <a:bodyPr wrap="none" rtlCol="0">
-            <a:spAutoFit/>
-          </a:bodyPr>
-          <a:lstStyle/>
-          <a:p>
-            <a:r>
-              <a:rPr lang="en-GB" sz="2800" dirty="0"/>
-              <a:t>State </a:t>
-            </a:r>
-            <a:r>
-              <a:rPr lang="en-GB" sz="2800" i="1" dirty="0"/>
-              <a:t>Diagram</a:t>
-            </a:r>
-          </a:p>
-        </p:txBody>
-      </p:sp>
-      <p:pic>
-        <p:nvPicPr>
-          <p:cNvPr id="16" name="Picture 10" descr="uml event diagram ~ Jebas.us">
-            <a:extLst>
-              <a:ext uri="{FF2B5EF4-FFF2-40B4-BE49-F238E27FC236}">
-                <a16:creationId xmlns:a16="http://schemas.microsoft.com/office/drawing/2014/main" id="{92B6739B-8B73-4AF1-84BE-9108947F3852}"/>
-              </a:ext>
-            </a:extLst>
-          </p:cNvPr>
-          <p:cNvPicPr>
-            <a:picLocks noChangeAspect="1" noChangeArrowheads="1"/>
-          </p:cNvPicPr>
-          <p:nvPr/>
-        </p:nvPicPr>
-        <p:blipFill>
-          <a:blip r:embed="rId3">
-            <a:extLst>
-              <a:ext uri="{28A0092B-C50C-407E-A947-70E740481C1C}">
-                <a14:useLocalDpi xmlns:a14="http://schemas.microsoft.com/office/drawing/2010/main" val="0"/>
-              </a:ext>
-            </a:extLst>
-          </a:blip>
-          <a:srcRect/>
-          <a:stretch>
-            <a:fillRect/>
-          </a:stretch>
-        </p:blipFill>
-        <p:spPr bwMode="auto">
-          <a:xfrm>
-            <a:off x="10630565" y="14659122"/>
-            <a:ext cx="9569576" cy="5809008"/>
-          </a:xfrm>
-          <a:prstGeom prst="rect">
-            <a:avLst/>
-          </a:prstGeom>
-          <a:noFill/>
-          <a:extLst>
-            <a:ext uri="{909E8E84-426E-40DD-AFC4-6F175D3DCCD1}">
-              <a14:hiddenFill xmlns:a14="http://schemas.microsoft.com/office/drawing/2010/main">
-                <a:solidFill>
-                  <a:srgbClr val="FFFFFF"/>
-                </a:solidFill>
-              </a14:hiddenFill>
-            </a:ext>
-          </a:extLst>
-        </p:spPr>
-      </p:pic>
-      <p:sp>
-        <p:nvSpPr>
-          <p:cNvPr id="17" name="TextBox 16">
-            <a:extLst>
-              <a:ext uri="{FF2B5EF4-FFF2-40B4-BE49-F238E27FC236}">
-                <a16:creationId xmlns:a16="http://schemas.microsoft.com/office/drawing/2014/main" id="{8031F712-8648-4AFF-9A6D-FCBF70730BEB}"/>
-              </a:ext>
-            </a:extLst>
-          </p:cNvPr>
-          <p:cNvSpPr txBox="1"/>
-          <p:nvPr/>
-        </p:nvSpPr>
-        <p:spPr>
-          <a:xfrm>
-            <a:off x="20664023" y="5709000"/>
-            <a:ext cx="4971810" cy="523220"/>
-          </a:xfrm>
-          <a:prstGeom prst="rect">
-            <a:avLst/>
-          </a:prstGeom>
-          <a:noFill/>
-        </p:spPr>
-        <p:txBody>
-          <a:bodyPr wrap="none" rtlCol="0">
-            <a:spAutoFit/>
-          </a:bodyPr>
-          <a:lstStyle/>
-          <a:p>
-            <a:r>
-              <a:rPr lang="en-GB" sz="2800" i="1" dirty="0"/>
-              <a:t>Implementation artefacts (if any)</a:t>
-            </a:r>
-          </a:p>
-        </p:txBody>
-      </p:sp>
-      <p:sp>
-        <p:nvSpPr>
-          <p:cNvPr id="18" name="Title 1">
-            <a:extLst>
-              <a:ext uri="{FF2B5EF4-FFF2-40B4-BE49-F238E27FC236}">
-                <a16:creationId xmlns:a16="http://schemas.microsoft.com/office/drawing/2014/main" id="{CC83C7AB-E1BB-4B82-A1F9-C20A7B903A89}"/>
+                <a16:creationId xmlns:a16="http://schemas.microsoft.com/office/drawing/2014/main" id="{D8D1FE95-39F4-4D38-B2EF-53232BFBC6D7}"/>
               </a:ext>
             </a:extLst>
           </p:cNvPr>
@@ -3720,8 +4466,8 @@
         </p:nvSpPr>
         <p:spPr>
           <a:xfrm>
-            <a:off x="20664023" y="6789779"/>
-            <a:ext cx="8442263" cy="2852309"/>
+            <a:off x="291655" y="16824002"/>
+            <a:ext cx="8823076" cy="2848382"/>
           </a:xfrm>
           <a:prstGeom prst="rect">
             <a:avLst/>
@@ -3729,7 +4475,7 @@
         </p:spPr>
         <p:txBody>
           <a:bodyPr vert="horz" lIns="91440" tIns="45720" rIns="91440" bIns="45720" rtlCol="0" anchor="t">
-            <a:normAutofit/>
+            <a:normAutofit fontScale="92500"/>
           </a:bodyPr>
           <a:lstStyle>
             <a:lvl1pPr algn="ctr" defTabSz="2138324" rtl="0" eaLnBrk="1" latinLnBrk="0" hangingPunct="1">
@@ -3753,169 +4499,219 @@
           <a:p>
             <a:pPr algn="l"/>
             <a:r>
-              <a:rPr lang="en-GB" sz="2400" dirty="0"/>
-              <a:t>Can include other diagrams that verify the implementation process (e.g. class diagram etc.)</a:t>
+              <a:rPr lang="en-GB" sz="2200" dirty="0">
+                <a:latin typeface="+mn-lt"/>
+              </a:rPr>
+              <a:t>References:</a:t>
             </a:r>
           </a:p>
           <a:p>
             <a:pPr algn="l"/>
-            <a:endParaRPr lang="en-GB" sz="2400" dirty="0"/>
+            <a:r>
+              <a:rPr lang="en-GB" sz="2200" dirty="0">
+                <a:effectLst/>
+                <a:latin typeface="+mn-lt"/>
+                <a:ea typeface="Calibri" panose="020F0502020204030204" pitchFamily="34" charset="0"/>
+                <a:cs typeface="Calibri" panose="020F0502020204030204" pitchFamily="34" charset="0"/>
+              </a:rPr>
+              <a:t>Gibson, W.G. (1993) Virtual Light. US, UK, Canada: Bantam Spectra, Viking Press, Seal Books.</a:t>
+            </a:r>
+            <a:endParaRPr lang="en-GB" sz="2200" dirty="0">
+              <a:effectLst/>
+              <a:latin typeface="+mn-lt"/>
+              <a:ea typeface="Calibri" panose="020F0502020204030204" pitchFamily="34" charset="0"/>
+              <a:cs typeface="Arial" panose="020B0604020202020204" pitchFamily="34" charset="0"/>
+            </a:endParaRPr>
           </a:p>
           <a:p>
             <a:pPr algn="l"/>
             <a:r>
-              <a:rPr lang="en-GB" sz="2400" dirty="0"/>
-              <a:t>or</a:t>
+              <a:rPr lang="en-GB" sz="2200" dirty="0">
+                <a:effectLst/>
+                <a:latin typeface="+mn-lt"/>
+                <a:ea typeface="Calibri" panose="020F0502020204030204" pitchFamily="34" charset="0"/>
+                <a:cs typeface="Calibri" panose="020F0502020204030204" pitchFamily="34" charset="0"/>
+              </a:rPr>
+              <a:t>Cline, E.C. (</a:t>
+            </a:r>
+            <a:r>
+              <a:rPr lang="en-GB" sz="2200" dirty="0">
+                <a:effectLst/>
+                <a:latin typeface="+mn-lt"/>
+                <a:ea typeface="Calibri" panose="020F0502020204030204" pitchFamily="34" charset="0"/>
+                <a:cs typeface="Arial" panose="020B0604020202020204" pitchFamily="34" charset="0"/>
+              </a:rPr>
+              <a:t>2011</a:t>
+            </a:r>
+            <a:r>
+              <a:rPr lang="en-GB" sz="2200" dirty="0">
+                <a:effectLst/>
+                <a:latin typeface="+mn-lt"/>
+                <a:ea typeface="Calibri" panose="020F0502020204030204" pitchFamily="34" charset="0"/>
+                <a:cs typeface="Calibri" panose="020F0502020204030204" pitchFamily="34" charset="0"/>
+              </a:rPr>
+              <a:t>) Ready player one. </a:t>
+            </a:r>
+            <a:r>
+              <a:rPr lang="en-GB" sz="2200" dirty="0">
+                <a:effectLst/>
+                <a:latin typeface="+mn-lt"/>
+                <a:ea typeface="Calibri" panose="020F0502020204030204" pitchFamily="34" charset="0"/>
+                <a:cs typeface="Arial" panose="020B0604020202020204" pitchFamily="34" charset="0"/>
+              </a:rPr>
+              <a:t>US : Crown Publishing Group.</a:t>
             </a:r>
           </a:p>
           <a:p>
             <a:pPr algn="l"/>
-            <a:endParaRPr lang="en-GB" sz="2400" dirty="0"/>
+            <a:r>
+              <a:rPr lang="en-GB" sz="2200" dirty="0">
+                <a:effectLst/>
+                <a:latin typeface="+mn-lt"/>
+                <a:ea typeface="Calibri" panose="020F0502020204030204" pitchFamily="34" charset="0"/>
+                <a:cs typeface="Calibri" panose="020F0502020204030204" pitchFamily="34" charset="0"/>
+              </a:rPr>
+              <a:t>Dionisio, III, Gilbert, J.D, W.I, R.G. (2013)</a:t>
+            </a:r>
+            <a:r>
+              <a:rPr lang="en-GB" sz="2200" dirty="0">
+                <a:effectLst/>
+                <a:latin typeface="+mn-lt"/>
+                <a:ea typeface="Calibri" panose="020F0502020204030204" pitchFamily="34" charset="0"/>
+                <a:cs typeface="Arial" panose="020B0604020202020204" pitchFamily="34" charset="0"/>
+              </a:rPr>
+              <a:t> </a:t>
+            </a:r>
+            <a:r>
+              <a:rPr lang="en-GB" sz="2200" dirty="0">
+                <a:effectLst/>
+                <a:latin typeface="+mn-lt"/>
+                <a:ea typeface="Calibri" panose="020F0502020204030204" pitchFamily="34" charset="0"/>
+                <a:cs typeface="Calibri" panose="020F0502020204030204" pitchFamily="34" charset="0"/>
+              </a:rPr>
+              <a:t>3D Virtual worlds and the metaverse: Current status and future possibilities. </a:t>
+            </a:r>
+            <a:r>
+              <a:rPr lang="en-GB" sz="2200" dirty="0">
+                <a:effectLst/>
+                <a:latin typeface="+mn-lt"/>
+                <a:ea typeface="Times New Roman" panose="02020603050405020304" pitchFamily="18" charset="0"/>
+                <a:cs typeface="Calibri" panose="020F0502020204030204" pitchFamily="34" charset="0"/>
+              </a:rPr>
+              <a:t>ACM computing surveys </a:t>
+            </a:r>
+            <a:r>
+              <a:rPr lang="en-GB" sz="2200" dirty="0">
+                <a:effectLst/>
+                <a:latin typeface="+mn-lt"/>
+                <a:ea typeface="Calibri" panose="020F0502020204030204" pitchFamily="34" charset="0"/>
+                <a:cs typeface="Calibri" panose="020F0502020204030204" pitchFamily="34" charset="0"/>
+              </a:rPr>
+              <a:t>[online]. Volume 45, Issue 3. [Accessed 21 December 2021].</a:t>
+            </a:r>
           </a:p>
           <a:p>
             <a:pPr algn="l"/>
             <a:r>
-              <a:rPr lang="en-GB" sz="2400" dirty="0"/>
-              <a:t>A screenshot of your GUI or ‘code output so far’ or similar</a:t>
-            </a:r>
-            <a:br>
-              <a:rPr lang="en-GB" sz="2400" dirty="0"/>
-            </a:br>
-            <a:endParaRPr lang="en-GB" sz="2400" dirty="0"/>
-          </a:p>
-        </p:txBody>
-      </p:sp>
-      <p:sp>
-        <p:nvSpPr>
-          <p:cNvPr id="19" name="Title 1">
-            <a:extLst>
-              <a:ext uri="{FF2B5EF4-FFF2-40B4-BE49-F238E27FC236}">
-                <a16:creationId xmlns:a16="http://schemas.microsoft.com/office/drawing/2014/main" id="{5B50A179-7B9A-4987-A17A-B2BA2FD57E22}"/>
-              </a:ext>
-            </a:extLst>
-          </p:cNvPr>
-          <p:cNvSpPr txBox="1">
-            <a:spLocks/>
-          </p:cNvSpPr>
-          <p:nvPr/>
-        </p:nvSpPr>
-        <p:spPr>
-          <a:xfrm>
-            <a:off x="20664023" y="11973960"/>
-            <a:ext cx="8823076" cy="3343744"/>
-          </a:xfrm>
-          <a:prstGeom prst="rect">
-            <a:avLst/>
-          </a:prstGeom>
-        </p:spPr>
-        <p:txBody>
-          <a:bodyPr vert="horz" lIns="91440" tIns="45720" rIns="91440" bIns="45720" rtlCol="0" anchor="t">
-            <a:normAutofit/>
-          </a:bodyPr>
-          <a:lstStyle>
-            <a:lvl1pPr algn="ctr" defTabSz="2138324" rtl="0" eaLnBrk="1" latinLnBrk="0" hangingPunct="1">
-              <a:lnSpc>
-                <a:spcPct val="90000"/>
-              </a:lnSpc>
-              <a:spcBef>
-                <a:spcPct val="0"/>
-              </a:spcBef>
-              <a:buNone/>
-              <a:defRPr sz="14031" kern="1200">
-                <a:solidFill>
-                  <a:schemeClr val="tx1"/>
-                </a:solidFill>
-                <a:latin typeface="+mj-lt"/>
-                <a:ea typeface="+mj-ea"/>
-                <a:cs typeface="+mj-cs"/>
-              </a:defRPr>
-            </a:lvl1pPr>
-          </a:lstStyle>
-          <a:p>
-            <a:pPr algn="l"/>
-            <a:r>
-              <a:rPr lang="en-GB" sz="3000" b="1" dirty="0"/>
-              <a:t>Planning and Management:</a:t>
-            </a:r>
-            <a:br>
-              <a:rPr lang="en-GB" sz="3000" dirty="0"/>
-            </a:br>
-            <a:br>
-              <a:rPr lang="en-GB" sz="3000" dirty="0"/>
-            </a:br>
-            <a:r>
-              <a:rPr lang="en-GB" sz="3000" dirty="0"/>
-              <a:t>This section will include your planning and management. </a:t>
-            </a:r>
-          </a:p>
-        </p:txBody>
-      </p:sp>
-      <p:sp>
-        <p:nvSpPr>
-          <p:cNvPr id="20" name="Title 1">
-            <a:extLst>
-              <a:ext uri="{FF2B5EF4-FFF2-40B4-BE49-F238E27FC236}">
-                <a16:creationId xmlns:a16="http://schemas.microsoft.com/office/drawing/2014/main" id="{D8D1FE95-39F4-4D38-B2EF-53232BFBC6D7}"/>
-              </a:ext>
-            </a:extLst>
-          </p:cNvPr>
-          <p:cNvSpPr txBox="1">
-            <a:spLocks/>
-          </p:cNvSpPr>
-          <p:nvPr/>
-        </p:nvSpPr>
-        <p:spPr>
-          <a:xfrm>
-            <a:off x="20664023" y="16970307"/>
-            <a:ext cx="8823076" cy="3343744"/>
-          </a:xfrm>
-          <a:prstGeom prst="rect">
-            <a:avLst/>
-          </a:prstGeom>
-        </p:spPr>
-        <p:txBody>
-          <a:bodyPr vert="horz" lIns="91440" tIns="45720" rIns="91440" bIns="45720" rtlCol="0" anchor="t">
-            <a:normAutofit/>
-          </a:bodyPr>
-          <a:lstStyle>
-            <a:lvl1pPr algn="ctr" defTabSz="2138324" rtl="0" eaLnBrk="1" latinLnBrk="0" hangingPunct="1">
-              <a:lnSpc>
-                <a:spcPct val="90000"/>
-              </a:lnSpc>
-              <a:spcBef>
-                <a:spcPct val="0"/>
-              </a:spcBef>
-              <a:buNone/>
-              <a:defRPr sz="14031" kern="1200">
-                <a:solidFill>
-                  <a:schemeClr val="tx1"/>
-                </a:solidFill>
-                <a:latin typeface="+mj-lt"/>
-                <a:ea typeface="+mj-ea"/>
-                <a:cs typeface="+mj-cs"/>
-              </a:defRPr>
-            </a:lvl1pPr>
-          </a:lstStyle>
-          <a:p>
-            <a:pPr algn="l"/>
-            <a:r>
-              <a:rPr lang="en-GB" sz="3000" b="1" dirty="0"/>
-              <a:t>References:</a:t>
-            </a:r>
-            <a:br>
-              <a:rPr lang="en-GB" sz="3000" dirty="0"/>
-            </a:br>
-            <a:br>
-              <a:rPr lang="en-GB" sz="3000" dirty="0"/>
-            </a:br>
-            <a:r>
-              <a:rPr lang="en-GB" sz="3000" dirty="0"/>
-              <a:t>References and citations should be in UWE Harvard style</a:t>
-            </a:r>
-          </a:p>
-          <a:p>
-            <a:pPr algn="l"/>
-            <a:endParaRPr lang="en-GB" sz="3000" dirty="0"/>
+              <a:rPr lang="en-GB" sz="2200" dirty="0">
+                <a:effectLst/>
+                <a:latin typeface="+mn-lt"/>
+                <a:ea typeface="Calibri" panose="020F0502020204030204" pitchFamily="34" charset="0"/>
+                <a:cs typeface="Arial" panose="020B0604020202020204" pitchFamily="34" charset="0"/>
+                <a:hlinkClick r:id="rId3">
+                  <a:extLst>
+                    <a:ext uri="{A12FA001-AC4F-418D-AE19-62706E023703}">
+                      <ahyp:hlinkClr xmlns:ahyp="http://schemas.microsoft.com/office/drawing/2018/hyperlinkcolor" val="tx"/>
+                    </a:ext>
+                  </a:extLst>
+                </a:hlinkClick>
+              </a:rPr>
+              <a:t>Mishra</a:t>
+            </a:r>
+            <a:r>
+              <a:rPr lang="en-GB" sz="2200" dirty="0">
+                <a:effectLst/>
+                <a:latin typeface="+mn-lt"/>
+                <a:ea typeface="Calibri" panose="020F0502020204030204" pitchFamily="34" charset="0"/>
+                <a:cs typeface="Arial" panose="020B0604020202020204" pitchFamily="34" charset="0"/>
+              </a:rPr>
+              <a:t>, </a:t>
+            </a:r>
+            <a:r>
+              <a:rPr lang="en-GB" sz="2200" dirty="0" err="1">
+                <a:effectLst/>
+                <a:latin typeface="+mn-lt"/>
+                <a:ea typeface="Calibri" panose="020F0502020204030204" pitchFamily="34" charset="0"/>
+                <a:cs typeface="Arial" panose="020B0604020202020204" pitchFamily="34" charset="0"/>
+                <a:hlinkClick r:id="rId4">
+                  <a:extLst>
+                    <a:ext uri="{A12FA001-AC4F-418D-AE19-62706E023703}">
+                      <ahyp:hlinkClr xmlns:ahyp="http://schemas.microsoft.com/office/drawing/2018/hyperlinkcolor" val="tx"/>
+                    </a:ext>
+                  </a:extLst>
+                </a:hlinkClick>
+              </a:rPr>
+              <a:t>Shrawankar</a:t>
+            </a:r>
+            <a:r>
+              <a:rPr lang="en-GB" sz="2200" dirty="0">
+                <a:effectLst/>
+                <a:latin typeface="+mn-lt"/>
+                <a:ea typeface="Calibri" panose="020F0502020204030204" pitchFamily="34" charset="0"/>
+                <a:cs typeface="Arial" panose="020B0604020202020204" pitchFamily="34" charset="0"/>
+              </a:rPr>
+              <a:t>, </a:t>
+            </a:r>
+            <a:r>
+              <a:rPr lang="en-GB" sz="2200" dirty="0">
+                <a:effectLst/>
+                <a:latin typeface="+mn-lt"/>
+                <a:ea typeface="Calibri" panose="020F0502020204030204" pitchFamily="34" charset="0"/>
+                <a:cs typeface="Arial" panose="020B0604020202020204" pitchFamily="34" charset="0"/>
+                <a:hlinkClick r:id="rId3">
+                  <a:extLst>
+                    <a:ext uri="{A12FA001-AC4F-418D-AE19-62706E023703}">
+                      <ahyp:hlinkClr xmlns:ahyp="http://schemas.microsoft.com/office/drawing/2018/hyperlinkcolor" val="tx"/>
+                    </a:ext>
+                  </a:extLst>
+                </a:hlinkClick>
+              </a:rPr>
+              <a:t>P.M</a:t>
+            </a:r>
+            <a:r>
+              <a:rPr lang="en-GB" sz="2200" dirty="0">
+                <a:effectLst/>
+                <a:latin typeface="+mn-lt"/>
+                <a:ea typeface="Calibri" panose="020F0502020204030204" pitchFamily="34" charset="0"/>
+                <a:cs typeface="Arial" panose="020B0604020202020204" pitchFamily="34" charset="0"/>
+              </a:rPr>
+              <a:t>, </a:t>
+            </a:r>
+            <a:r>
+              <a:rPr lang="en-GB" sz="2200" dirty="0">
+                <a:effectLst/>
+                <a:latin typeface="+mn-lt"/>
+                <a:ea typeface="Calibri" panose="020F0502020204030204" pitchFamily="34" charset="0"/>
+                <a:cs typeface="Arial" panose="020B0604020202020204" pitchFamily="34" charset="0"/>
+                <a:hlinkClick r:id="rId4">
+                  <a:extLst>
+                    <a:ext uri="{A12FA001-AC4F-418D-AE19-62706E023703}">
+                      <ahyp:hlinkClr xmlns:ahyp="http://schemas.microsoft.com/office/drawing/2018/hyperlinkcolor" val="tx"/>
+                    </a:ext>
+                  </a:extLst>
+                </a:hlinkClick>
+              </a:rPr>
+              <a:t>U.S</a:t>
+            </a:r>
+            <a:r>
+              <a:rPr lang="en-GB" sz="2200" dirty="0">
+                <a:effectLst/>
+                <a:latin typeface="+mn-lt"/>
+                <a:ea typeface="Calibri" panose="020F0502020204030204" pitchFamily="34" charset="0"/>
+                <a:cs typeface="Arial" panose="020B0604020202020204" pitchFamily="34" charset="0"/>
+              </a:rPr>
+              <a:t>. (2016) Comparison between Famous Game Engines and Eminent Games. International journal of interactive multimedia and artificial intelligence [online]. Volume 4, page 69. [Accessed 13 November 2021].</a:t>
+            </a:r>
           </a:p>
         </p:txBody>
       </p:sp>
@@ -3935,8 +4731,8 @@
         </p:nvCxnSpPr>
         <p:spPr>
           <a:xfrm>
-            <a:off x="10097451" y="5006048"/>
-            <a:ext cx="0" cy="15763895"/>
+            <a:off x="10055470" y="2064606"/>
+            <a:ext cx="0" cy="19319019"/>
           </a:xfrm>
           <a:prstGeom prst="line">
             <a:avLst/>
@@ -3973,8 +4769,8 @@
         </p:nvCxnSpPr>
         <p:spPr>
           <a:xfrm>
-            <a:off x="20469357" y="5021914"/>
-            <a:ext cx="0" cy="15763895"/>
+            <a:off x="19135315" y="2064606"/>
+            <a:ext cx="111108" cy="19319019"/>
           </a:xfrm>
           <a:prstGeom prst="line">
             <a:avLst/>
@@ -4010,14 +4806,14 @@
           <p:nvPr/>
         </p:nvPicPr>
         <p:blipFill>
-          <a:blip r:embed="rId4"/>
+          <a:blip r:embed="rId5"/>
           <a:stretch>
             <a:fillRect/>
           </a:stretch>
         </p:blipFill>
         <p:spPr>
           <a:xfrm>
-            <a:off x="27239125" y="280073"/>
+            <a:off x="28280704" y="0"/>
             <a:ext cx="1867161" cy="1876687"/>
           </a:xfrm>
           <a:prstGeom prst="rect">
@@ -4041,97 +4837,8 @@
         </p:nvSpPr>
         <p:spPr>
           <a:xfrm>
-            <a:off x="26197545" y="2250384"/>
+            <a:off x="26627249" y="1799489"/>
             <a:ext cx="3950320" cy="747536"/>
-          </a:xfrm>
-          <a:prstGeom prst="rect">
-            <a:avLst/>
-          </a:prstGeom>
-        </p:spPr>
-        <p:txBody>
-          <a:bodyPr vert="horz" lIns="91440" tIns="45720" rIns="91440" bIns="45720" rtlCol="0" anchor="t">
-            <a:normAutofit lnSpcReduction="10000"/>
-          </a:bodyPr>
-          <a:lstStyle>
-            <a:lvl1pPr algn="ctr" defTabSz="2138324" rtl="0" eaLnBrk="1" latinLnBrk="0" hangingPunct="1">
-              <a:lnSpc>
-                <a:spcPct val="90000"/>
-              </a:lnSpc>
-              <a:spcBef>
-                <a:spcPct val="0"/>
-              </a:spcBef>
-              <a:buNone/>
-              <a:defRPr sz="14031" kern="1200">
-                <a:solidFill>
-                  <a:schemeClr val="tx1"/>
-                </a:solidFill>
-                <a:latin typeface="+mj-lt"/>
-                <a:ea typeface="+mj-ea"/>
-                <a:cs typeface="+mj-cs"/>
-              </a:defRPr>
-            </a:lvl1pPr>
-          </a:lstStyle>
-          <a:p>
-            <a:r>
-              <a:rPr lang="en-GB" sz="2400" dirty="0"/>
-              <a:t>A QR Code link to your video submission</a:t>
-            </a:r>
-          </a:p>
-        </p:txBody>
-      </p:sp>
-      <p:sp>
-        <p:nvSpPr>
-          <p:cNvPr id="25" name="TextBox 24">
-            <a:extLst>
-              <a:ext uri="{FF2B5EF4-FFF2-40B4-BE49-F238E27FC236}">
-                <a16:creationId xmlns:a16="http://schemas.microsoft.com/office/drawing/2014/main" id="{4D204FDE-6B7C-493E-B33F-71E6F2C28506}"/>
-              </a:ext>
-            </a:extLst>
-          </p:cNvPr>
-          <p:cNvSpPr txBox="1"/>
-          <p:nvPr/>
-        </p:nvSpPr>
-        <p:spPr>
-          <a:xfrm>
-            <a:off x="20664023" y="9796114"/>
-            <a:ext cx="1206677" cy="523220"/>
-          </a:xfrm>
-          <a:prstGeom prst="rect">
-            <a:avLst/>
-          </a:prstGeom>
-          <a:noFill/>
-        </p:spPr>
-        <p:txBody>
-          <a:bodyPr wrap="none" rtlCol="0">
-            <a:spAutoFit/>
-          </a:bodyPr>
-          <a:lstStyle/>
-          <a:p>
-            <a:r>
-              <a:rPr lang="en-GB" sz="2800" i="1" dirty="0"/>
-              <a:t>Testing</a:t>
-            </a:r>
-          </a:p>
-        </p:txBody>
-      </p:sp>
-      <p:sp>
-        <p:nvSpPr>
-          <p:cNvPr id="26" name="Title 1">
-            <a:extLst>
-              <a:ext uri="{FF2B5EF4-FFF2-40B4-BE49-F238E27FC236}">
-                <a16:creationId xmlns:a16="http://schemas.microsoft.com/office/drawing/2014/main" id="{E7B24A34-D6DD-4B29-ACC3-A1E122AA648B}"/>
-              </a:ext>
-            </a:extLst>
-          </p:cNvPr>
-          <p:cNvSpPr txBox="1">
-            <a:spLocks/>
-          </p:cNvSpPr>
-          <p:nvPr/>
-        </p:nvSpPr>
-        <p:spPr>
-          <a:xfrm>
-            <a:off x="20664023" y="10328247"/>
-            <a:ext cx="8442263" cy="2179384"/>
           </a:xfrm>
           <a:prstGeom prst="rect">
             <a:avLst/>
@@ -4161,15 +4868,995 @@
             </a:lvl1pPr>
           </a:lstStyle>
           <a:p>
+            <a:r>
+              <a:rPr lang="en-GB" sz="2400" dirty="0"/>
+              <a:t>A QR Code link to video</a:t>
+            </a:r>
+          </a:p>
+        </p:txBody>
+      </p:sp>
+      <p:sp>
+        <p:nvSpPr>
+          <p:cNvPr id="26" name="Title 1">
+            <a:extLst>
+              <a:ext uri="{FF2B5EF4-FFF2-40B4-BE49-F238E27FC236}">
+                <a16:creationId xmlns:a16="http://schemas.microsoft.com/office/drawing/2014/main" id="{E7B24A34-D6DD-4B29-ACC3-A1E122AA648B}"/>
+              </a:ext>
+            </a:extLst>
+          </p:cNvPr>
+          <p:cNvSpPr txBox="1">
+            <a:spLocks/>
+          </p:cNvSpPr>
+          <p:nvPr/>
+        </p:nvSpPr>
+        <p:spPr>
+          <a:xfrm>
+            <a:off x="19459856" y="19972302"/>
+            <a:ext cx="10216777" cy="1539395"/>
+          </a:xfrm>
+          <a:prstGeom prst="rect">
+            <a:avLst/>
+          </a:prstGeom>
+        </p:spPr>
+        <p:txBody>
+          <a:bodyPr vert="horz" lIns="91440" tIns="45720" rIns="91440" bIns="45720" rtlCol="0" anchor="t">
+            <a:normAutofit/>
+          </a:bodyPr>
+          <a:lstStyle>
+            <a:lvl1pPr algn="ctr" defTabSz="2138324" rtl="0" eaLnBrk="1" latinLnBrk="0" hangingPunct="1">
+              <a:lnSpc>
+                <a:spcPct val="90000"/>
+              </a:lnSpc>
+              <a:spcBef>
+                <a:spcPct val="0"/>
+              </a:spcBef>
+              <a:buNone/>
+              <a:defRPr sz="14031" kern="1200">
+                <a:solidFill>
+                  <a:schemeClr val="tx1"/>
+                </a:solidFill>
+                <a:latin typeface="+mj-lt"/>
+                <a:ea typeface="+mj-ea"/>
+                <a:cs typeface="+mj-cs"/>
+              </a:defRPr>
+            </a:lvl1pPr>
+          </a:lstStyle>
+          <a:p>
+            <a:r>
+              <a:rPr lang="en-GB" sz="3200" b="1" i="1" dirty="0">
+                <a:latin typeface="+mn-lt"/>
+              </a:rPr>
+              <a:t>Testing</a:t>
+            </a:r>
+            <a:endParaRPr lang="en-GB" sz="3200" b="1" dirty="0">
+              <a:latin typeface="+mn-lt"/>
+            </a:endParaRPr>
+          </a:p>
+          <a:p>
             <a:pPr algn="l"/>
             <a:r>
               <a:rPr lang="en-GB" sz="2400" dirty="0"/>
-              <a:t>Details regarding your testing strategy</a:t>
+              <a:t>Each requirement implemented in a given sprint will be tested at the end of said sprint.</a:t>
             </a:r>
             <a:br>
               <a:rPr lang="en-GB" sz="2400" dirty="0"/>
             </a:br>
             <a:endParaRPr lang="en-GB" sz="2400" dirty="0"/>
+          </a:p>
+        </p:txBody>
+      </p:sp>
+      <p:pic>
+        <p:nvPicPr>
+          <p:cNvPr id="1026" name="Picture 2">
+            <a:extLst>
+              <a:ext uri="{FF2B5EF4-FFF2-40B4-BE49-F238E27FC236}">
+                <a16:creationId xmlns:a16="http://schemas.microsoft.com/office/drawing/2014/main" id="{19EE1001-E6B7-47BE-ACC4-6B563C6636A5}"/>
+              </a:ext>
+            </a:extLst>
+          </p:cNvPr>
+          <p:cNvPicPr>
+            <a:picLocks noChangeAspect="1" noChangeArrowheads="1"/>
+          </p:cNvPicPr>
+          <p:nvPr/>
+        </p:nvPicPr>
+        <p:blipFill>
+          <a:blip r:embed="rId6">
+            <a:extLst>
+              <a:ext uri="{28A0092B-C50C-407E-A947-70E740481C1C}">
+                <a14:useLocalDpi xmlns:a14="http://schemas.microsoft.com/office/drawing/2010/main" val="0"/>
+              </a:ext>
+            </a:extLst>
+          </a:blip>
+          <a:srcRect/>
+          <a:stretch>
+            <a:fillRect/>
+          </a:stretch>
+        </p:blipFill>
+        <p:spPr bwMode="auto">
+          <a:xfrm>
+            <a:off x="10084107" y="15632368"/>
+            <a:ext cx="9079470" cy="4040016"/>
+          </a:xfrm>
+          <a:prstGeom prst="rect">
+            <a:avLst/>
+          </a:prstGeom>
+          <a:noFill/>
+          <a:extLst>
+            <a:ext uri="{909E8E84-426E-40DD-AFC4-6F175D3DCCD1}">
+              <a14:hiddenFill xmlns:a14="http://schemas.microsoft.com/office/drawing/2010/main">
+                <a:solidFill>
+                  <a:srgbClr val="FFFFFF"/>
+                </a:solidFill>
+              </a14:hiddenFill>
+            </a:ext>
+          </a:extLst>
+        </p:spPr>
+      </p:pic>
+      <p:pic>
+        <p:nvPicPr>
+          <p:cNvPr id="1030" name="Picture 6">
+            <a:extLst>
+              <a:ext uri="{FF2B5EF4-FFF2-40B4-BE49-F238E27FC236}">
+                <a16:creationId xmlns:a16="http://schemas.microsoft.com/office/drawing/2014/main" id="{7E16A730-44E8-40AC-A8E2-E5A1E2A276F9}"/>
+              </a:ext>
+            </a:extLst>
+          </p:cNvPr>
+          <p:cNvPicPr>
+            <a:picLocks noChangeAspect="1" noChangeArrowheads="1"/>
+          </p:cNvPicPr>
+          <p:nvPr/>
+        </p:nvPicPr>
+        <p:blipFill>
+          <a:blip r:embed="rId7">
+            <a:extLst>
+              <a:ext uri="{28A0092B-C50C-407E-A947-70E740481C1C}">
+                <a14:useLocalDpi xmlns:a14="http://schemas.microsoft.com/office/drawing/2010/main" val="0"/>
+              </a:ext>
+            </a:extLst>
+          </a:blip>
+          <a:srcRect/>
+          <a:stretch>
+            <a:fillRect/>
+          </a:stretch>
+        </p:blipFill>
+        <p:spPr bwMode="auto">
+          <a:xfrm>
+            <a:off x="19744685" y="3248784"/>
+            <a:ext cx="4171874" cy="3040414"/>
+          </a:xfrm>
+          <a:prstGeom prst="rect">
+            <a:avLst/>
+          </a:prstGeom>
+          <a:noFill/>
+          <a:extLst>
+            <a:ext uri="{909E8E84-426E-40DD-AFC4-6F175D3DCCD1}">
+              <a14:hiddenFill xmlns:a14="http://schemas.microsoft.com/office/drawing/2010/main">
+                <a:solidFill>
+                  <a:srgbClr val="FFFFFF"/>
+                </a:solidFill>
+              </a14:hiddenFill>
+            </a:ext>
+          </a:extLst>
+        </p:spPr>
+      </p:pic>
+      <p:sp>
+        <p:nvSpPr>
+          <p:cNvPr id="28" name="TextBox 27">
+            <a:extLst>
+              <a:ext uri="{FF2B5EF4-FFF2-40B4-BE49-F238E27FC236}">
+                <a16:creationId xmlns:a16="http://schemas.microsoft.com/office/drawing/2014/main" id="{2FCF5285-A006-414B-9C27-087851DA5911}"/>
+              </a:ext>
+            </a:extLst>
+          </p:cNvPr>
+          <p:cNvSpPr txBox="1"/>
+          <p:nvPr/>
+        </p:nvSpPr>
+        <p:spPr>
+          <a:xfrm>
+            <a:off x="19744685" y="2664412"/>
+            <a:ext cx="915635" cy="523220"/>
+          </a:xfrm>
+          <a:prstGeom prst="rect">
+            <a:avLst/>
+          </a:prstGeom>
+          <a:noFill/>
+        </p:spPr>
+        <p:txBody>
+          <a:bodyPr wrap="none" rtlCol="0">
+            <a:spAutoFit/>
+          </a:bodyPr>
+          <a:lstStyle/>
+          <a:p>
+            <a:r>
+              <a:rPr lang="en-GB" sz="2800" i="1" dirty="0"/>
+              <a:t>2048</a:t>
+            </a:r>
+          </a:p>
+        </p:txBody>
+      </p:sp>
+      <p:pic>
+        <p:nvPicPr>
+          <p:cNvPr id="1032" name="Picture 8">
+            <a:extLst>
+              <a:ext uri="{FF2B5EF4-FFF2-40B4-BE49-F238E27FC236}">
+                <a16:creationId xmlns:a16="http://schemas.microsoft.com/office/drawing/2014/main" id="{3316FABB-D581-4B14-8CA9-5DFCC958FBDD}"/>
+              </a:ext>
+            </a:extLst>
+          </p:cNvPr>
+          <p:cNvPicPr>
+            <a:picLocks noChangeAspect="1" noChangeArrowheads="1"/>
+          </p:cNvPicPr>
+          <p:nvPr/>
+        </p:nvPicPr>
+        <p:blipFill>
+          <a:blip r:embed="rId8">
+            <a:extLst>
+              <a:ext uri="{28A0092B-C50C-407E-A947-70E740481C1C}">
+                <a14:useLocalDpi xmlns:a14="http://schemas.microsoft.com/office/drawing/2010/main" val="0"/>
+              </a:ext>
+            </a:extLst>
+          </a:blip>
+          <a:srcRect/>
+          <a:stretch>
+            <a:fillRect/>
+          </a:stretch>
+        </p:blipFill>
+        <p:spPr bwMode="auto">
+          <a:xfrm>
+            <a:off x="23916559" y="3248784"/>
+            <a:ext cx="4171877" cy="3040414"/>
+          </a:xfrm>
+          <a:prstGeom prst="rect">
+            <a:avLst/>
+          </a:prstGeom>
+          <a:noFill/>
+          <a:extLst>
+            <a:ext uri="{909E8E84-426E-40DD-AFC4-6F175D3DCCD1}">
+              <a14:hiddenFill xmlns:a14="http://schemas.microsoft.com/office/drawing/2010/main">
+                <a:solidFill>
+                  <a:srgbClr val="FFFFFF"/>
+                </a:solidFill>
+              </a14:hiddenFill>
+            </a:ext>
+          </a:extLst>
+        </p:spPr>
+      </p:pic>
+      <p:sp>
+        <p:nvSpPr>
+          <p:cNvPr id="33" name="TextBox 32">
+            <a:extLst>
+              <a:ext uri="{FF2B5EF4-FFF2-40B4-BE49-F238E27FC236}">
+                <a16:creationId xmlns:a16="http://schemas.microsoft.com/office/drawing/2014/main" id="{356218FB-3748-4618-88D3-6D13686F97FC}"/>
+              </a:ext>
+            </a:extLst>
+          </p:cNvPr>
+          <p:cNvSpPr txBox="1"/>
+          <p:nvPr/>
+        </p:nvSpPr>
+        <p:spPr>
+          <a:xfrm>
+            <a:off x="23884280" y="2612757"/>
+            <a:ext cx="1539204" cy="523220"/>
+          </a:xfrm>
+          <a:prstGeom prst="rect">
+            <a:avLst/>
+          </a:prstGeom>
+          <a:noFill/>
+        </p:spPr>
+        <p:txBody>
+          <a:bodyPr wrap="none" rtlCol="0">
+            <a:spAutoFit/>
+          </a:bodyPr>
+          <a:lstStyle/>
+          <a:p>
+            <a:r>
+              <a:rPr lang="en-GB" sz="2800" i="1" dirty="0"/>
+              <a:t>8 Queens</a:t>
+            </a:r>
+          </a:p>
+        </p:txBody>
+      </p:sp>
+      <p:pic>
+        <p:nvPicPr>
+          <p:cNvPr id="1038" name="Picture 14">
+            <a:extLst>
+              <a:ext uri="{FF2B5EF4-FFF2-40B4-BE49-F238E27FC236}">
+                <a16:creationId xmlns:a16="http://schemas.microsoft.com/office/drawing/2014/main" id="{036326D6-6A25-4918-92EE-3138E3FC8D8D}"/>
+              </a:ext>
+            </a:extLst>
+          </p:cNvPr>
+          <p:cNvPicPr>
+            <a:picLocks noChangeAspect="1" noChangeArrowheads="1"/>
+          </p:cNvPicPr>
+          <p:nvPr/>
+        </p:nvPicPr>
+        <p:blipFill>
+          <a:blip r:embed="rId9">
+            <a:extLst>
+              <a:ext uri="{28A0092B-C50C-407E-A947-70E740481C1C}">
+                <a14:useLocalDpi xmlns:a14="http://schemas.microsoft.com/office/drawing/2010/main" val="0"/>
+              </a:ext>
+            </a:extLst>
+          </a:blip>
+          <a:srcRect/>
+          <a:stretch>
+            <a:fillRect/>
+          </a:stretch>
+        </p:blipFill>
+        <p:spPr bwMode="auto">
+          <a:xfrm>
+            <a:off x="19735098" y="7011970"/>
+            <a:ext cx="4139595" cy="2212050"/>
+          </a:xfrm>
+          <a:prstGeom prst="rect">
+            <a:avLst/>
+          </a:prstGeom>
+          <a:noFill/>
+          <a:extLst>
+            <a:ext uri="{909E8E84-426E-40DD-AFC4-6F175D3DCCD1}">
+              <a14:hiddenFill xmlns:a14="http://schemas.microsoft.com/office/drawing/2010/main">
+                <a:solidFill>
+                  <a:srgbClr val="FFFFFF"/>
+                </a:solidFill>
+              </a14:hiddenFill>
+            </a:ext>
+          </a:extLst>
+        </p:spPr>
+      </p:pic>
+      <p:pic>
+        <p:nvPicPr>
+          <p:cNvPr id="1040" name="Picture 16">
+            <a:extLst>
+              <a:ext uri="{FF2B5EF4-FFF2-40B4-BE49-F238E27FC236}">
+                <a16:creationId xmlns:a16="http://schemas.microsoft.com/office/drawing/2014/main" id="{CA2C47D5-CC5C-4F02-B3FD-44B22937DE7F}"/>
+              </a:ext>
+            </a:extLst>
+          </p:cNvPr>
+          <p:cNvPicPr>
+            <a:picLocks noChangeAspect="1" noChangeArrowheads="1"/>
+          </p:cNvPicPr>
+          <p:nvPr/>
+        </p:nvPicPr>
+        <p:blipFill>
+          <a:blip r:embed="rId10">
+            <a:extLst>
+              <a:ext uri="{28A0092B-C50C-407E-A947-70E740481C1C}">
+                <a14:useLocalDpi xmlns:a14="http://schemas.microsoft.com/office/drawing/2010/main" val="0"/>
+              </a:ext>
+            </a:extLst>
+          </a:blip>
+          <a:srcRect/>
+          <a:stretch>
+            <a:fillRect/>
+          </a:stretch>
+        </p:blipFill>
+        <p:spPr bwMode="auto">
+          <a:xfrm>
+            <a:off x="23884280" y="6995094"/>
+            <a:ext cx="4204156" cy="2237116"/>
+          </a:xfrm>
+          <a:prstGeom prst="rect">
+            <a:avLst/>
+          </a:prstGeom>
+          <a:noFill/>
+          <a:extLst>
+            <a:ext uri="{909E8E84-426E-40DD-AFC4-6F175D3DCCD1}">
+              <a14:hiddenFill xmlns:a14="http://schemas.microsoft.com/office/drawing/2010/main">
+                <a:solidFill>
+                  <a:srgbClr val="FFFFFF"/>
+                </a:solidFill>
+              </a14:hiddenFill>
+            </a:ext>
+          </a:extLst>
+        </p:spPr>
+      </p:pic>
+      <p:sp>
+        <p:nvSpPr>
+          <p:cNvPr id="40" name="TextBox 39">
+            <a:extLst>
+              <a:ext uri="{FF2B5EF4-FFF2-40B4-BE49-F238E27FC236}">
+                <a16:creationId xmlns:a16="http://schemas.microsoft.com/office/drawing/2014/main" id="{BBFC876E-BA88-44E1-955C-C3964AA59D09}"/>
+              </a:ext>
+            </a:extLst>
+          </p:cNvPr>
+          <p:cNvSpPr txBox="1"/>
+          <p:nvPr/>
+        </p:nvSpPr>
+        <p:spPr>
+          <a:xfrm>
+            <a:off x="24049739" y="6417989"/>
+            <a:ext cx="3478837" cy="523220"/>
+          </a:xfrm>
+          <a:prstGeom prst="rect">
+            <a:avLst/>
+          </a:prstGeom>
+          <a:noFill/>
+        </p:spPr>
+        <p:txBody>
+          <a:bodyPr wrap="none" rtlCol="0">
+            <a:spAutoFit/>
+          </a:bodyPr>
+          <a:lstStyle/>
+          <a:p>
+            <a:r>
+              <a:rPr lang="en-GB" sz="2800" i="1" dirty="0"/>
+              <a:t>8 Queens </a:t>
+            </a:r>
+            <a:r>
+              <a:rPr lang="en-GB" sz="2800" i="1" dirty="0" err="1"/>
+              <a:t>LeaderBoard</a:t>
+            </a:r>
+            <a:endParaRPr lang="en-GB" sz="2800" i="1" dirty="0"/>
+          </a:p>
+        </p:txBody>
+      </p:sp>
+      <p:sp>
+        <p:nvSpPr>
+          <p:cNvPr id="41" name="TextBox 40">
+            <a:extLst>
+              <a:ext uri="{FF2B5EF4-FFF2-40B4-BE49-F238E27FC236}">
+                <a16:creationId xmlns:a16="http://schemas.microsoft.com/office/drawing/2014/main" id="{91899C89-2104-449B-8A3B-0D80B72BD56B}"/>
+              </a:ext>
+            </a:extLst>
+          </p:cNvPr>
+          <p:cNvSpPr txBox="1"/>
+          <p:nvPr/>
+        </p:nvSpPr>
+        <p:spPr>
+          <a:xfrm>
+            <a:off x="19690660" y="6388974"/>
+            <a:ext cx="2855269" cy="523220"/>
+          </a:xfrm>
+          <a:prstGeom prst="rect">
+            <a:avLst/>
+          </a:prstGeom>
+          <a:noFill/>
+        </p:spPr>
+        <p:txBody>
+          <a:bodyPr wrap="none" rtlCol="0">
+            <a:spAutoFit/>
+          </a:bodyPr>
+          <a:lstStyle/>
+          <a:p>
+            <a:r>
+              <a:rPr lang="en-GB" sz="2800" i="1" dirty="0"/>
+              <a:t>2048 </a:t>
+            </a:r>
+            <a:r>
+              <a:rPr lang="en-GB" sz="2800" i="1" dirty="0" err="1"/>
+              <a:t>LeaderBoard</a:t>
+            </a:r>
+            <a:endParaRPr lang="en-GB" sz="2800" i="1" dirty="0"/>
+          </a:p>
+        </p:txBody>
+      </p:sp>
+      <p:pic>
+        <p:nvPicPr>
+          <p:cNvPr id="31" name="Picture 30" descr="Diagram&#10;&#10;Description automatically generated">
+            <a:extLst>
+              <a:ext uri="{FF2B5EF4-FFF2-40B4-BE49-F238E27FC236}">
+                <a16:creationId xmlns:a16="http://schemas.microsoft.com/office/drawing/2014/main" id="{3E01E85F-BFD3-4CFD-9A68-4CEC1B981DEE}"/>
+              </a:ext>
+            </a:extLst>
+          </p:cNvPr>
+          <p:cNvPicPr>
+            <a:picLocks noChangeAspect="1"/>
+          </p:cNvPicPr>
+          <p:nvPr/>
+        </p:nvPicPr>
+        <p:blipFill>
+          <a:blip r:embed="rId11" cstate="print">
+            <a:extLst>
+              <a:ext uri="{28A0092B-C50C-407E-A947-70E740481C1C}">
+                <a14:useLocalDpi xmlns:a14="http://schemas.microsoft.com/office/drawing/2010/main" val="0"/>
+              </a:ext>
+            </a:extLst>
+          </a:blip>
+          <a:srcRect/>
+          <a:stretch>
+            <a:fillRect/>
+          </a:stretch>
+        </p:blipFill>
+        <p:spPr bwMode="auto">
+          <a:xfrm>
+            <a:off x="10084107" y="10282802"/>
+            <a:ext cx="9079470" cy="4812341"/>
+          </a:xfrm>
+          <a:prstGeom prst="rect">
+            <a:avLst/>
+          </a:prstGeom>
+          <a:noFill/>
+          <a:ln>
+            <a:noFill/>
+          </a:ln>
+        </p:spPr>
+      </p:pic>
+      <p:sp>
+        <p:nvSpPr>
+          <p:cNvPr id="16" name="Rectangle 1">
+            <a:extLst>
+              <a:ext uri="{FF2B5EF4-FFF2-40B4-BE49-F238E27FC236}">
+                <a16:creationId xmlns:a16="http://schemas.microsoft.com/office/drawing/2014/main" id="{BCA9F077-10E1-4BCF-86B8-6413147C614C}"/>
+              </a:ext>
+            </a:extLst>
+          </p:cNvPr>
+          <p:cNvSpPr>
+            <a:spLocks noChangeArrowheads="1"/>
+          </p:cNvSpPr>
+          <p:nvPr/>
+        </p:nvSpPr>
+        <p:spPr bwMode="auto">
+          <a:xfrm flipV="1">
+            <a:off x="45044646" y="-50208952"/>
+            <a:ext cx="852030" cy="83746003"/>
+          </a:xfrm>
+          <a:prstGeom prst="rect">
+            <a:avLst/>
+          </a:prstGeom>
+          <a:noFill/>
+          <a:ln>
+            <a:noFill/>
+          </a:ln>
+          <a:effectLst/>
+          <a:extLst>
+            <a:ext uri="{909E8E84-426E-40DD-AFC4-6F175D3DCCD1}">
+              <a14:hiddenFill xmlns:a14="http://schemas.microsoft.com/office/drawing/2010/main">
+                <a:solidFill>
+                  <a:schemeClr val="accent1"/>
+                </a:solidFill>
+              </a14:hiddenFill>
+            </a:ext>
+            <a:ext uri="{91240B29-F687-4F45-9708-019B960494DF}">
+              <a14:hiddenLine xmlns:a14="http://schemas.microsoft.com/office/drawing/2010/main" w="9525">
+                <a:solidFill>
+                  <a:schemeClr val="tx1"/>
+                </a:solidFill>
+                <a:miter lim="800000"/>
+                <a:headEnd/>
+                <a:tailEnd/>
+              </a14:hiddenLine>
+            </a:ext>
+            <a:ext uri="{AF507438-7753-43E0-B8FC-AC1667EBCBE1}">
+              <a14:hiddenEffects xmlns:a14="http://schemas.microsoft.com/office/drawing/2010/main">
+                <a:effectLst>
+                  <a:outerShdw dist="35921" dir="2700000" algn="ctr" rotWithShape="0">
+                    <a:schemeClr val="bg2"/>
+                  </a:outerShdw>
+                </a:effectLst>
+              </a14:hiddenEffects>
+            </a:ext>
+          </a:extLst>
+        </p:spPr>
+        <p:txBody>
+          <a:bodyPr vert="horz" wrap="square" lIns="91440" tIns="45720" rIns="91440" bIns="45720" numCol="1" anchor="ctr" anchorCtr="0" compatLnSpc="1">
+            <a:prstTxWarp prst="textNoShape">
+              <a:avLst/>
+            </a:prstTxWarp>
+            <a:spAutoFit/>
+          </a:bodyPr>
+          <a:lstStyle/>
+          <a:p>
+            <a:pPr marL="0" marR="0" lvl="0" indent="0" algn="l" defTabSz="914400" rtl="0" eaLnBrk="0" fontAlgn="base" latinLnBrk="0" hangingPunct="0">
+              <a:lnSpc>
+                <a:spcPct val="100000"/>
+              </a:lnSpc>
+              <a:spcBef>
+                <a:spcPct val="0"/>
+              </a:spcBef>
+              <a:spcAft>
+                <a:spcPct val="0"/>
+              </a:spcAft>
+              <a:buClrTx/>
+              <a:buSzTx/>
+              <a:buFontTx/>
+              <a:buNone/>
+              <a:tabLst/>
+            </a:pPr>
+            <a:r>
+              <a:rPr kumimoji="0" lang="en-US" altLang="en-US" sz="1800" b="0" i="0" u="none" strike="noStrike" cap="none" normalizeH="0" baseline="0" dirty="0">
+                <a:ln>
+                  <a:noFill/>
+                </a:ln>
+                <a:solidFill>
+                  <a:schemeClr val="tx1"/>
+                </a:solidFill>
+                <a:effectLst/>
+                <a:latin typeface="Arial" panose="020B0604020202020204" pitchFamily="34" charset="0"/>
+              </a:rPr>
+              <a:t>  </a:t>
+            </a:r>
+            <a:r>
+              <a:rPr kumimoji="0" lang="en-US" altLang="en-US" sz="58200" b="0" i="0" u="none" strike="noStrike" cap="none" normalizeH="0" baseline="0" dirty="0">
+                <a:ln>
+                  <a:noFill/>
+                </a:ln>
+                <a:solidFill>
+                  <a:schemeClr val="tx1"/>
+                </a:solidFill>
+                <a:effectLst/>
+                <a:latin typeface="Arial" panose="020B0604020202020204" pitchFamily="34" charset="0"/>
+              </a:rPr>
+              <a:t>         </a:t>
+            </a:r>
+            <a:br>
+              <a:rPr kumimoji="0" lang="en-US" altLang="en-US" sz="1800" b="0" i="0" u="none" strike="noStrike" cap="none" normalizeH="0" baseline="0" dirty="0">
+                <a:ln>
+                  <a:noFill/>
+                </a:ln>
+                <a:solidFill>
+                  <a:schemeClr val="tx1"/>
+                </a:solidFill>
+                <a:effectLst/>
+                <a:latin typeface="Arial" panose="020B0604020202020204" pitchFamily="34" charset="0"/>
+              </a:rPr>
+            </a:br>
+            <a:r>
+              <a:rPr kumimoji="0" lang="en-US" altLang="en-US" sz="1800" b="0" i="0" u="none" strike="noStrike" cap="none" normalizeH="0" baseline="0" dirty="0">
+                <a:ln>
+                  <a:noFill/>
+                </a:ln>
+                <a:solidFill>
+                  <a:schemeClr val="tx1"/>
+                </a:solidFill>
+                <a:effectLst/>
+                <a:latin typeface="Arial" panose="020B0604020202020204" pitchFamily="34" charset="0"/>
+                <a:hlinkClick r:id="rId12"/>
+              </a:rPr>
+              <a:t>https://gyazo.com/119e2989608252a16e83b83e0071832f</a:t>
+            </a:r>
+            <a:r>
+              <a:rPr kumimoji="0" lang="en-US" altLang="en-US" sz="1800" b="0" i="0" u="none" strike="noStrike" cap="none" normalizeH="0" baseline="0" dirty="0">
+                <a:ln>
+                  <a:noFill/>
+                </a:ln>
+                <a:solidFill>
+                  <a:schemeClr val="tx1"/>
+                </a:solidFill>
+                <a:effectLst/>
+                <a:latin typeface="Arial" panose="020B0604020202020204" pitchFamily="34" charset="0"/>
+              </a:rPr>
+              <a:t> </a:t>
+            </a:r>
+          </a:p>
+        </p:txBody>
+      </p:sp>
+      <p:pic>
+        <p:nvPicPr>
+          <p:cNvPr id="18" name="Picture 2">
+            <a:extLst>
+              <a:ext uri="{FF2B5EF4-FFF2-40B4-BE49-F238E27FC236}">
+                <a16:creationId xmlns:a16="http://schemas.microsoft.com/office/drawing/2014/main" id="{DF7F5275-4B31-404E-80C1-B7ED560C7712}"/>
+              </a:ext>
+            </a:extLst>
+          </p:cNvPr>
+          <p:cNvPicPr>
+            <a:picLocks noChangeAspect="1" noChangeArrowheads="1"/>
+          </p:cNvPicPr>
+          <p:nvPr/>
+        </p:nvPicPr>
+        <p:blipFill>
+          <a:blip r:embed="rId13">
+            <a:extLst>
+              <a:ext uri="{28A0092B-C50C-407E-A947-70E740481C1C}">
+                <a14:useLocalDpi xmlns:a14="http://schemas.microsoft.com/office/drawing/2010/main" val="0"/>
+              </a:ext>
+            </a:extLst>
+          </a:blip>
+          <a:srcRect/>
+          <a:stretch>
+            <a:fillRect/>
+          </a:stretch>
+        </p:blipFill>
+        <p:spPr bwMode="auto">
+          <a:xfrm>
+            <a:off x="19770562" y="9665157"/>
+            <a:ext cx="4140998" cy="2095315"/>
+          </a:xfrm>
+          <a:prstGeom prst="rect">
+            <a:avLst/>
+          </a:prstGeom>
+          <a:noFill/>
+          <a:extLst>
+            <a:ext uri="{909E8E84-426E-40DD-AFC4-6F175D3DCCD1}">
+              <a14:hiddenFill xmlns:a14="http://schemas.microsoft.com/office/drawing/2010/main">
+                <a:solidFill>
+                  <a:srgbClr val="FFFFFF"/>
+                </a:solidFill>
+              </a14:hiddenFill>
+            </a:ext>
+          </a:extLst>
+        </p:spPr>
+      </p:pic>
+      <p:sp>
+        <p:nvSpPr>
+          <p:cNvPr id="42" name="TextBox 41">
+            <a:extLst>
+              <a:ext uri="{FF2B5EF4-FFF2-40B4-BE49-F238E27FC236}">
+                <a16:creationId xmlns:a16="http://schemas.microsoft.com/office/drawing/2014/main" id="{AD7E3E96-9672-4614-9DEB-DB8546B29651}"/>
+              </a:ext>
+            </a:extLst>
+          </p:cNvPr>
+          <p:cNvSpPr txBox="1"/>
+          <p:nvPr/>
+        </p:nvSpPr>
+        <p:spPr>
+          <a:xfrm>
+            <a:off x="19705750" y="9183556"/>
+            <a:ext cx="3063274" cy="523220"/>
+          </a:xfrm>
+          <a:prstGeom prst="rect">
+            <a:avLst/>
+          </a:prstGeom>
+          <a:noFill/>
+        </p:spPr>
+        <p:txBody>
+          <a:bodyPr wrap="none" rtlCol="0">
+            <a:spAutoFit/>
+          </a:bodyPr>
+          <a:lstStyle/>
+          <a:p>
+            <a:r>
+              <a:rPr lang="en-US" sz="2800" i="1" dirty="0"/>
+              <a:t>W</a:t>
+            </a:r>
+            <a:r>
+              <a:rPr lang="en-GB" sz="2800" i="1" dirty="0" err="1"/>
+              <a:t>ebsite</a:t>
+            </a:r>
+            <a:r>
+              <a:rPr lang="en-GB" sz="2800" i="1" dirty="0"/>
+              <a:t> on Desktop</a:t>
+            </a:r>
+          </a:p>
+        </p:txBody>
+      </p:sp>
+      <p:sp>
+        <p:nvSpPr>
+          <p:cNvPr id="43" name="TextBox 42">
+            <a:extLst>
+              <a:ext uri="{FF2B5EF4-FFF2-40B4-BE49-F238E27FC236}">
+                <a16:creationId xmlns:a16="http://schemas.microsoft.com/office/drawing/2014/main" id="{9449AE79-0D8C-4766-8140-0FA1EEBE724E}"/>
+              </a:ext>
+            </a:extLst>
+          </p:cNvPr>
+          <p:cNvSpPr txBox="1"/>
+          <p:nvPr/>
+        </p:nvSpPr>
+        <p:spPr>
+          <a:xfrm>
+            <a:off x="27251623" y="9180950"/>
+            <a:ext cx="2896242" cy="523220"/>
+          </a:xfrm>
+          <a:prstGeom prst="rect">
+            <a:avLst/>
+          </a:prstGeom>
+          <a:noFill/>
+        </p:spPr>
+        <p:txBody>
+          <a:bodyPr wrap="none" rtlCol="0">
+            <a:spAutoFit/>
+          </a:bodyPr>
+          <a:lstStyle/>
+          <a:p>
+            <a:r>
+              <a:rPr lang="en-US" sz="2800" i="1" dirty="0"/>
+              <a:t>W</a:t>
+            </a:r>
+            <a:r>
+              <a:rPr lang="en-GB" sz="2800" i="1" dirty="0" err="1"/>
+              <a:t>ebsite</a:t>
+            </a:r>
+            <a:r>
+              <a:rPr lang="en-GB" sz="2800" i="1" dirty="0"/>
+              <a:t> on Mobile</a:t>
+            </a:r>
+          </a:p>
+        </p:txBody>
+      </p:sp>
+      <p:pic>
+        <p:nvPicPr>
+          <p:cNvPr id="1028" name="Picture 4">
+            <a:extLst>
+              <a:ext uri="{FF2B5EF4-FFF2-40B4-BE49-F238E27FC236}">
+                <a16:creationId xmlns:a16="http://schemas.microsoft.com/office/drawing/2014/main" id="{69F33497-8B4A-4FC1-8E1B-7547C916C94A}"/>
+              </a:ext>
+            </a:extLst>
+          </p:cNvPr>
+          <p:cNvPicPr>
+            <a:picLocks noChangeAspect="1" noChangeArrowheads="1"/>
+          </p:cNvPicPr>
+          <p:nvPr/>
+        </p:nvPicPr>
+        <p:blipFill>
+          <a:blip r:embed="rId14">
+            <a:extLst>
+              <a:ext uri="{28A0092B-C50C-407E-A947-70E740481C1C}">
+                <a14:useLocalDpi xmlns:a14="http://schemas.microsoft.com/office/drawing/2010/main" val="0"/>
+              </a:ext>
+            </a:extLst>
+          </a:blip>
+          <a:srcRect/>
+          <a:stretch>
+            <a:fillRect/>
+          </a:stretch>
+        </p:blipFill>
+        <p:spPr bwMode="auto">
+          <a:xfrm>
+            <a:off x="27417580" y="9652910"/>
+            <a:ext cx="2110575" cy="4812341"/>
+          </a:xfrm>
+          <a:prstGeom prst="rect">
+            <a:avLst/>
+          </a:prstGeom>
+          <a:noFill/>
+          <a:extLst>
+            <a:ext uri="{909E8E84-426E-40DD-AFC4-6F175D3DCCD1}">
+              <a14:hiddenFill xmlns:a14="http://schemas.microsoft.com/office/drawing/2010/main">
+                <a:solidFill>
+                  <a:srgbClr val="FFFFFF"/>
+                </a:solidFill>
+              </a14:hiddenFill>
+            </a:ext>
+          </a:extLst>
+        </p:spPr>
+      </p:pic>
+      <p:sp>
+        <p:nvSpPr>
+          <p:cNvPr id="45" name="TextBox 44">
+            <a:extLst>
+              <a:ext uri="{FF2B5EF4-FFF2-40B4-BE49-F238E27FC236}">
+                <a16:creationId xmlns:a16="http://schemas.microsoft.com/office/drawing/2014/main" id="{3D81F982-F88F-4752-8B01-1C9D5B27C3D7}"/>
+              </a:ext>
+            </a:extLst>
+          </p:cNvPr>
+          <p:cNvSpPr txBox="1"/>
+          <p:nvPr/>
+        </p:nvSpPr>
+        <p:spPr>
+          <a:xfrm>
+            <a:off x="23894728" y="9145038"/>
+            <a:ext cx="2769220" cy="523220"/>
+          </a:xfrm>
+          <a:prstGeom prst="rect">
+            <a:avLst/>
+          </a:prstGeom>
+          <a:noFill/>
+        </p:spPr>
+        <p:txBody>
+          <a:bodyPr wrap="none" rtlCol="0">
+            <a:spAutoFit/>
+          </a:bodyPr>
+          <a:lstStyle/>
+          <a:p>
+            <a:r>
+              <a:rPr lang="en-US" sz="2800" i="1" dirty="0"/>
+              <a:t>W</a:t>
+            </a:r>
+            <a:r>
+              <a:rPr lang="en-GB" sz="2800" i="1" dirty="0" err="1"/>
+              <a:t>ebsite</a:t>
+            </a:r>
+            <a:r>
+              <a:rPr lang="en-GB" sz="2800" i="1" dirty="0"/>
+              <a:t> on Tablet</a:t>
+            </a:r>
+          </a:p>
+        </p:txBody>
+      </p:sp>
+      <p:pic>
+        <p:nvPicPr>
+          <p:cNvPr id="35" name="Picture 6">
+            <a:extLst>
+              <a:ext uri="{FF2B5EF4-FFF2-40B4-BE49-F238E27FC236}">
+                <a16:creationId xmlns:a16="http://schemas.microsoft.com/office/drawing/2014/main" id="{8B6F7409-A271-427F-BA4D-70D118EE0829}"/>
+              </a:ext>
+            </a:extLst>
+          </p:cNvPr>
+          <p:cNvPicPr>
+            <a:picLocks noChangeAspect="1" noChangeArrowheads="1"/>
+          </p:cNvPicPr>
+          <p:nvPr/>
+        </p:nvPicPr>
+        <p:blipFill>
+          <a:blip r:embed="rId15">
+            <a:extLst>
+              <a:ext uri="{28A0092B-C50C-407E-A947-70E740481C1C}">
+                <a14:useLocalDpi xmlns:a14="http://schemas.microsoft.com/office/drawing/2010/main" val="0"/>
+              </a:ext>
+            </a:extLst>
+          </a:blip>
+          <a:srcRect/>
+          <a:stretch>
+            <a:fillRect/>
+          </a:stretch>
+        </p:blipFill>
+        <p:spPr bwMode="auto">
+          <a:xfrm>
+            <a:off x="23987761" y="9652910"/>
+            <a:ext cx="3231024" cy="4035125"/>
+          </a:xfrm>
+          <a:prstGeom prst="rect">
+            <a:avLst/>
+          </a:prstGeom>
+          <a:noFill/>
+          <a:extLst>
+            <a:ext uri="{909E8E84-426E-40DD-AFC4-6F175D3DCCD1}">
+              <a14:hiddenFill xmlns:a14="http://schemas.microsoft.com/office/drawing/2010/main">
+                <a:solidFill>
+                  <a:srgbClr val="FFFFFF"/>
+                </a:solidFill>
+              </a14:hiddenFill>
+            </a:ext>
+          </a:extLst>
+        </p:spPr>
+      </p:pic>
+      <p:sp>
+        <p:nvSpPr>
+          <p:cNvPr id="50" name="TextBox 49">
+            <a:extLst>
+              <a:ext uri="{FF2B5EF4-FFF2-40B4-BE49-F238E27FC236}">
+                <a16:creationId xmlns:a16="http://schemas.microsoft.com/office/drawing/2014/main" id="{301F2DB6-023A-4D11-AE2E-71E947C29F37}"/>
+              </a:ext>
+            </a:extLst>
+          </p:cNvPr>
+          <p:cNvSpPr txBox="1"/>
+          <p:nvPr/>
+        </p:nvSpPr>
+        <p:spPr>
+          <a:xfrm>
+            <a:off x="10148504" y="9783357"/>
+            <a:ext cx="3162725" cy="461665"/>
+          </a:xfrm>
+          <a:prstGeom prst="rect">
+            <a:avLst/>
+          </a:prstGeom>
+          <a:noFill/>
+        </p:spPr>
+        <p:txBody>
+          <a:bodyPr wrap="none" rtlCol="0">
+            <a:spAutoFit/>
+          </a:bodyPr>
+          <a:lstStyle/>
+          <a:p>
+            <a:r>
+              <a:rPr lang="en-GB" sz="2400" b="1" dirty="0"/>
+              <a:t>UML Use-Case Diagram</a:t>
+            </a:r>
+          </a:p>
+        </p:txBody>
+      </p:sp>
+      <p:sp>
+        <p:nvSpPr>
+          <p:cNvPr id="51" name="TextBox 50">
+            <a:extLst>
+              <a:ext uri="{FF2B5EF4-FFF2-40B4-BE49-F238E27FC236}">
+                <a16:creationId xmlns:a16="http://schemas.microsoft.com/office/drawing/2014/main" id="{88D792E0-D2B9-4C4D-AA48-875DC643754B}"/>
+              </a:ext>
+            </a:extLst>
+          </p:cNvPr>
+          <p:cNvSpPr txBox="1"/>
+          <p:nvPr/>
+        </p:nvSpPr>
+        <p:spPr>
+          <a:xfrm>
+            <a:off x="10109174" y="15095143"/>
+            <a:ext cx="2632131" cy="461665"/>
+          </a:xfrm>
+          <a:prstGeom prst="rect">
+            <a:avLst/>
+          </a:prstGeom>
+          <a:noFill/>
+        </p:spPr>
+        <p:txBody>
+          <a:bodyPr wrap="none" rtlCol="0">
+            <a:spAutoFit/>
+          </a:bodyPr>
+          <a:lstStyle/>
+          <a:p>
+            <a:r>
+              <a:rPr lang="en-GB" sz="2400" b="1" dirty="0"/>
+              <a:t>UML Class Diagram</a:t>
+            </a:r>
           </a:p>
         </p:txBody>
       </p:sp>
